--- a/rw-pdf.pptx
+++ b/rw-pdf.pptx
@@ -7275,7 +7275,7 @@
           <a:graphicData uri="http://schemas.openxmlformats.org/presentationml/2006/ole">
             <mc:AlternateContent xmlns:mc="http://schemas.openxmlformats.org/markup-compatibility/2006">
               <mc:Choice xmlns:v="urn:schemas-microsoft-com:vml" Requires="v">
-                <p:oleObj spid="_x0000_s28803" name="Visio" r:id="rId6" imgW="5289194" imgH="2914802" progId="Visio.Drawing.11">
+                <p:oleObj spid="_x0000_s28844" name="Visio" r:id="rId6" imgW="5289194" imgH="2914802" progId="Visio.Drawing.11">
                   <p:embed/>
                 </p:oleObj>
               </mc:Choice>
@@ -7479,7 +7479,7 @@
           <a:graphicData uri="http://schemas.openxmlformats.org/presentationml/2006/ole">
             <mc:AlternateContent xmlns:mc="http://schemas.openxmlformats.org/markup-compatibility/2006">
               <mc:Choice xmlns:v="urn:schemas-microsoft-com:vml" Requires="v">
-                <p:oleObj spid="_x0000_s30150" name="Visio" r:id="rId9" imgW="5289194" imgH="1988515" progId="Visio.Drawing.11">
+                <p:oleObj spid="_x0000_s30314" name="Visio" r:id="rId9" imgW="5289194" imgH="1988515" progId="Visio.Drawing.11">
                   <p:embed/>
                 </p:oleObj>
               </mc:Choice>
@@ -7581,7 +7581,7 @@
           <a:graphicData uri="http://schemas.openxmlformats.org/presentationml/2006/ole">
             <mc:AlternateContent xmlns:mc="http://schemas.openxmlformats.org/markup-compatibility/2006">
               <mc:Choice xmlns:v="urn:schemas-microsoft-com:vml" Requires="v">
-                <p:oleObj spid="_x0000_s30151" name="Visio" r:id="rId11" imgW="5289194" imgH="2888590" progId="Visio.Drawing.11">
+                <p:oleObj spid="_x0000_s30315" name="Visio" r:id="rId11" imgW="5289194" imgH="2888590" progId="Visio.Drawing.11">
                   <p:embed/>
                 </p:oleObj>
               </mc:Choice>
@@ -7682,7 +7682,7 @@
           <a:graphicData uri="http://schemas.openxmlformats.org/presentationml/2006/ole">
             <mc:AlternateContent xmlns:mc="http://schemas.openxmlformats.org/markup-compatibility/2006">
               <mc:Choice xmlns:v="urn:schemas-microsoft-com:vml" Requires="v">
-                <p:oleObj spid="_x0000_s30152" name="Visio" r:id="rId13" imgW="5186172" imgH="754685" progId="Visio.Drawing.11">
+                <p:oleObj spid="_x0000_s30316" name="Visio" r:id="rId13" imgW="5186172" imgH="754685" progId="Visio.Drawing.11">
                   <p:embed/>
                 </p:oleObj>
               </mc:Choice>
@@ -7783,7 +7783,7 @@
           <a:graphicData uri="http://schemas.openxmlformats.org/presentationml/2006/ole">
             <mc:AlternateContent xmlns:mc="http://schemas.openxmlformats.org/markup-compatibility/2006">
               <mc:Choice xmlns:v="urn:schemas-microsoft-com:vml" Requires="v">
-                <p:oleObj spid="_x0000_s30153" name="Visio" r:id="rId15" imgW="5186172" imgH="1870558" progId="Visio.Drawing.11">
+                <p:oleObj spid="_x0000_s30317" name="Visio" r:id="rId15" imgW="5186172" imgH="1870558" progId="Visio.Drawing.11">
                   <p:embed/>
                 </p:oleObj>
               </mc:Choice>
@@ -8780,7 +8780,7 @@
           <a:graphicData uri="http://schemas.openxmlformats.org/presentationml/2006/ole">
             <mc:AlternateContent xmlns:mc="http://schemas.openxmlformats.org/markup-compatibility/2006">
               <mc:Choice xmlns:v="urn:schemas-microsoft-com:vml" Requires="v">
-                <p:oleObj spid="_x0000_s30830" name="Visio" r:id="rId7" imgW="5038954" imgH="751637" progId="Visio.Drawing.11">
+                <p:oleObj spid="_x0000_s30912" name="Visio" r:id="rId7" imgW="5038954" imgH="751637" progId="Visio.Drawing.11">
                   <p:embed/>
                 </p:oleObj>
               </mc:Choice>
@@ -8935,7 +8935,7 @@
           <a:graphicData uri="http://schemas.openxmlformats.org/presentationml/2006/ole">
             <mc:AlternateContent xmlns:mc="http://schemas.openxmlformats.org/markup-compatibility/2006">
               <mc:Choice xmlns:v="urn:schemas-microsoft-com:vml" Requires="v">
-                <p:oleObj spid="_x0000_s30831" name="Visio" r:id="rId9" imgW="5038954" imgH="1130503" progId="Visio.Drawing.11">
+                <p:oleObj spid="_x0000_s30913" name="Visio" r:id="rId9" imgW="5038954" imgH="1130503" progId="Visio.Drawing.11">
                   <p:embed/>
                 </p:oleObj>
               </mc:Choice>
@@ -9776,7 +9776,7 @@
                 <a:ea typeface="Open Sans" panose="020B0606030504020204" pitchFamily="34" charset="0"/>
                 <a:cs typeface="Open Sans" panose="020B0606030504020204" pitchFamily="34" charset="0"/>
               </a:rPr>
-              <a:t>          ,             ,</a:t>
+              <a:t>            ,               ,</a:t>
             </a:r>
           </a:p>
           <a:p>
@@ -9803,8 +9803,21 @@
                 <a:ea typeface="Open Sans" panose="020B0606030504020204" pitchFamily="34" charset="0"/>
                 <a:cs typeface="Open Sans" panose="020B0606030504020204" pitchFamily="34" charset="0"/>
               </a:rPr>
-              <a:t>Split                                                and  </a:t>
-            </a:r>
+              <a:t>Split                  </a:t>
+            </a:r>
+            <a:r>
+              <a:rPr lang="en-US" altLang="zh-CN" sz="2000" dirty="0" smtClean="0">
+                <a:latin typeface="Open Sans" panose="020B0606030504020204" pitchFamily="34" charset="0"/>
+                <a:ea typeface="Open Sans" panose="020B0606030504020204" pitchFamily="34" charset="0"/>
+                <a:cs typeface="Open Sans" panose="020B0606030504020204" pitchFamily="34" charset="0"/>
+              </a:rPr>
+              <a:t> </a:t>
+            </a:r>
+            <a:endParaRPr lang="en-US" altLang="zh-CN" sz="2000" dirty="0" smtClean="0">
+              <a:latin typeface="Open Sans" panose="020B0606030504020204" pitchFamily="34" charset="0"/>
+              <a:ea typeface="Open Sans" panose="020B0606030504020204" pitchFamily="34" charset="0"/>
+              <a:cs typeface="Open Sans" panose="020B0606030504020204" pitchFamily="34" charset="0"/>
+            </a:endParaRPr>
           </a:p>
           <a:p>
             <a:pPr lvl="1"/>
@@ -9878,13 +9891,47 @@
       </p:sp>
       <p:pic>
         <p:nvPicPr>
-          <p:cNvPr id="17" name="Picture 16"/>
+          <p:cNvPr id="13" name="图片 12"/>
           <p:cNvPicPr>
             <a:picLocks noChangeAspect="1"/>
           </p:cNvPicPr>
           <p:nvPr>
             <p:custDataLst>
               <p:tags r:id="rId2"/>
+            </p:custDataLst>
+          </p:nvPr>
+        </p:nvPicPr>
+        <p:blipFill>
+          <a:blip r:embed="rId13" cstate="print">
+            <a:extLst>
+              <a:ext uri="{28A0092B-C50C-407E-A947-70E740481C1C}">
+                <a14:useLocalDpi xmlns:a14="http://schemas.microsoft.com/office/drawing/2010/main" val="0"/>
+              </a:ext>
+            </a:extLst>
+          </a:blip>
+          <a:stretch>
+            <a:fillRect/>
+          </a:stretch>
+        </p:blipFill>
+        <p:spPr>
+          <a:xfrm>
+            <a:off x="1888657" y="3428997"/>
+            <a:ext cx="5459810" cy="926476"/>
+          </a:xfrm>
+          <a:prstGeom prst="rect">
+            <a:avLst/>
+          </a:prstGeom>
+        </p:spPr>
+      </p:pic>
+      <p:pic>
+        <p:nvPicPr>
+          <p:cNvPr id="28" name="图片 27"/>
+          <p:cNvPicPr>
+            <a:picLocks noChangeAspect="1"/>
+          </p:cNvPicPr>
+          <p:nvPr>
+            <p:custDataLst>
+              <p:tags r:id="rId3"/>
             </p:custDataLst>
           </p:nvPr>
         </p:nvPicPr>
@@ -9902,280 +9949,8 @@
         </p:blipFill>
         <p:spPr>
           <a:xfrm>
-            <a:off x="2438400" y="2254343"/>
-            <a:ext cx="2408686" cy="308419"/>
-          </a:xfrm>
-          <a:prstGeom prst="rect">
-            <a:avLst/>
-          </a:prstGeom>
-        </p:spPr>
-      </p:pic>
-      <p:pic>
-        <p:nvPicPr>
-          <p:cNvPr id="6" name="Picture 5"/>
-          <p:cNvPicPr>
-            <a:picLocks noChangeAspect="1"/>
-          </p:cNvPicPr>
-          <p:nvPr>
-            <p:custDataLst>
-              <p:tags r:id="rId3"/>
-            </p:custDataLst>
-          </p:nvPr>
-        </p:nvPicPr>
-        <p:blipFill>
-          <a:blip r:embed="rId15" cstate="print">
-            <a:extLst>
-              <a:ext uri="{28A0092B-C50C-407E-A947-70E740481C1C}">
-                <a14:useLocalDpi xmlns:a14="http://schemas.microsoft.com/office/drawing/2010/main" val="0"/>
-              </a:ext>
-            </a:extLst>
-          </a:blip>
-          <a:stretch>
-            <a:fillRect/>
-          </a:stretch>
-        </p:blipFill>
-        <p:spPr>
-          <a:xfrm>
-            <a:off x="1143000" y="2743200"/>
-            <a:ext cx="655238" cy="207238"/>
-          </a:xfrm>
-          <a:prstGeom prst="rect">
-            <a:avLst/>
-          </a:prstGeom>
-        </p:spPr>
-      </p:pic>
-      <p:pic>
-        <p:nvPicPr>
-          <p:cNvPr id="7" name="Picture 6"/>
-          <p:cNvPicPr>
-            <a:picLocks noChangeAspect="1"/>
-          </p:cNvPicPr>
-          <p:nvPr>
-            <p:custDataLst>
-              <p:tags r:id="rId4"/>
-            </p:custDataLst>
-          </p:nvPr>
-        </p:nvPicPr>
-        <p:blipFill>
-          <a:blip r:embed="rId16" cstate="print">
-            <a:extLst>
-              <a:ext uri="{28A0092B-C50C-407E-A947-70E740481C1C}">
-                <a14:useLocalDpi xmlns:a14="http://schemas.microsoft.com/office/drawing/2010/main" val="0"/>
-              </a:ext>
-            </a:extLst>
-          </a:blip>
-          <a:stretch>
-            <a:fillRect/>
-          </a:stretch>
-        </p:blipFill>
-        <p:spPr>
-          <a:xfrm>
-            <a:off x="2057400" y="2727990"/>
-            <a:ext cx="667429" cy="243810"/>
-          </a:xfrm>
-          <a:prstGeom prst="rect">
-            <a:avLst/>
-          </a:prstGeom>
-        </p:spPr>
-      </p:pic>
-      <p:pic>
-        <p:nvPicPr>
-          <p:cNvPr id="8" name="Picture 7"/>
-          <p:cNvPicPr>
-            <a:picLocks noChangeAspect="1"/>
-          </p:cNvPicPr>
-          <p:nvPr>
-            <p:custDataLst>
-              <p:tags r:id="rId5"/>
-            </p:custDataLst>
-          </p:nvPr>
-        </p:nvPicPr>
-        <p:blipFill>
-          <a:blip r:embed="rId17" cstate="print">
-            <a:extLst>
-              <a:ext uri="{28A0092B-C50C-407E-A947-70E740481C1C}">
-                <a14:useLocalDpi xmlns:a14="http://schemas.microsoft.com/office/drawing/2010/main" val="0"/>
-              </a:ext>
-            </a:extLst>
-          </a:blip>
-          <a:stretch>
-            <a:fillRect/>
-          </a:stretch>
-        </p:blipFill>
-        <p:spPr>
-          <a:xfrm>
-            <a:off x="2981276" y="2702105"/>
-            <a:ext cx="2657524" cy="422095"/>
-          </a:xfrm>
-          <a:prstGeom prst="rect">
-            <a:avLst/>
-          </a:prstGeom>
-        </p:spPr>
-      </p:pic>
-      <p:pic>
-        <p:nvPicPr>
-          <p:cNvPr id="10" name="Picture 9"/>
-          <p:cNvPicPr>
-            <a:picLocks noChangeAspect="1"/>
-          </p:cNvPicPr>
-          <p:nvPr>
-            <p:custDataLst>
-              <p:tags r:id="rId6"/>
-            </p:custDataLst>
-          </p:nvPr>
-        </p:nvPicPr>
-        <p:blipFill>
-          <a:blip r:embed="rId18" cstate="print">
-            <a:extLst>
-              <a:ext uri="{28A0092B-C50C-407E-A947-70E740481C1C}">
-                <a14:useLocalDpi xmlns:a14="http://schemas.microsoft.com/office/drawing/2010/main" val="0"/>
-              </a:ext>
-            </a:extLst>
-          </a:blip>
-          <a:stretch>
-            <a:fillRect/>
-          </a:stretch>
-        </p:blipFill>
-        <p:spPr>
-          <a:xfrm>
-            <a:off x="1868800" y="3429000"/>
-            <a:ext cx="3008000" cy="953905"/>
-          </a:xfrm>
-          <a:prstGeom prst="rect">
-            <a:avLst/>
-          </a:prstGeom>
-        </p:spPr>
-      </p:pic>
-      <p:pic>
-        <p:nvPicPr>
-          <p:cNvPr id="11" name="Picture 10"/>
-          <p:cNvPicPr>
-            <a:picLocks noChangeAspect="1"/>
-          </p:cNvPicPr>
-          <p:nvPr>
-            <p:custDataLst>
-              <p:tags r:id="rId7"/>
-            </p:custDataLst>
-          </p:nvPr>
-        </p:nvPicPr>
-        <p:blipFill>
-          <a:blip r:embed="rId19" cstate="print">
-            <a:extLst>
-              <a:ext uri="{28A0092B-C50C-407E-A947-70E740481C1C}">
-                <a14:useLocalDpi xmlns:a14="http://schemas.microsoft.com/office/drawing/2010/main" val="0"/>
-              </a:ext>
-            </a:extLst>
-          </a:blip>
-          <a:stretch>
-            <a:fillRect/>
-          </a:stretch>
-        </p:blipFill>
-        <p:spPr>
-          <a:xfrm>
-            <a:off x="5696933" y="3672886"/>
-            <a:ext cx="1770667" cy="365714"/>
-          </a:xfrm>
-          <a:prstGeom prst="rect">
-            <a:avLst/>
-          </a:prstGeom>
-        </p:spPr>
-      </p:pic>
-      <p:pic>
-        <p:nvPicPr>
-          <p:cNvPr id="3" name="Picture 2"/>
-          <p:cNvPicPr>
-            <a:picLocks noChangeAspect="1"/>
-          </p:cNvPicPr>
-          <p:nvPr>
-            <p:custDataLst>
-              <p:tags r:id="rId8"/>
-            </p:custDataLst>
-          </p:nvPr>
-        </p:nvPicPr>
-        <p:blipFill>
-          <a:blip r:embed="rId20" cstate="print">
-            <a:extLst>
-              <a:ext uri="{28A0092B-C50C-407E-A947-70E740481C1C}">
-                <a14:useLocalDpi xmlns:a14="http://schemas.microsoft.com/office/drawing/2010/main" val="0"/>
-              </a:ext>
-            </a:extLst>
-          </a:blip>
-          <a:stretch>
-            <a:fillRect/>
-          </a:stretch>
-        </p:blipFill>
-        <p:spPr>
-          <a:xfrm>
-            <a:off x="1981200" y="4800600"/>
-            <a:ext cx="3812571" cy="315429"/>
-          </a:xfrm>
-          <a:prstGeom prst="rect">
-            <a:avLst/>
-          </a:prstGeom>
-        </p:spPr>
-      </p:pic>
-      <p:pic>
-        <p:nvPicPr>
-          <p:cNvPr id="14" name="Picture 13"/>
-          <p:cNvPicPr>
-            <a:picLocks noChangeAspect="1"/>
-          </p:cNvPicPr>
-          <p:nvPr>
-            <p:custDataLst>
-              <p:tags r:id="rId9"/>
-            </p:custDataLst>
-          </p:nvPr>
-        </p:nvPicPr>
-        <p:blipFill>
-          <a:blip r:embed="rId21" cstate="print">
-            <a:extLst>
-              <a:ext uri="{28A0092B-C50C-407E-A947-70E740481C1C}">
-                <a14:useLocalDpi xmlns:a14="http://schemas.microsoft.com/office/drawing/2010/main" val="0"/>
-              </a:ext>
-            </a:extLst>
-          </a:blip>
-          <a:stretch>
-            <a:fillRect/>
-          </a:stretch>
-        </p:blipFill>
-        <p:spPr>
-          <a:xfrm>
-            <a:off x="919648" y="5625143"/>
-            <a:ext cx="5404952" cy="470857"/>
-          </a:xfrm>
-          <a:prstGeom prst="rect">
-            <a:avLst/>
-          </a:prstGeom>
-        </p:spPr>
-      </p:pic>
-      <p:pic>
-        <p:nvPicPr>
-          <p:cNvPr id="16" name="Picture 15"/>
-          <p:cNvPicPr>
-            <a:picLocks noChangeAspect="1"/>
-          </p:cNvPicPr>
-          <p:nvPr>
-            <p:custDataLst>
-              <p:tags r:id="rId10"/>
-            </p:custDataLst>
-          </p:nvPr>
-        </p:nvPicPr>
-        <p:blipFill>
-          <a:blip r:embed="rId22" cstate="print">
-            <a:extLst>
-              <a:ext uri="{28A0092B-C50C-407E-A947-70E740481C1C}">
-                <a14:useLocalDpi xmlns:a14="http://schemas.microsoft.com/office/drawing/2010/main" val="0"/>
-              </a:ext>
-            </a:extLst>
-          </a:blip>
-          <a:stretch>
-            <a:fillRect/>
-          </a:stretch>
-        </p:blipFill>
-        <p:spPr>
-          <a:xfrm>
-            <a:off x="1143000" y="1548419"/>
-            <a:ext cx="5950476" cy="280381"/>
+            <a:off x="1981200" y="4800599"/>
+            <a:ext cx="4324572" cy="303238"/>
           </a:xfrm>
           <a:prstGeom prst="rect">
             <a:avLst/>
@@ -10190,12 +9965,12 @@
         </p:nvSpPr>
         <p:spPr>
           <a:xfrm>
-            <a:off x="5105400" y="4191000"/>
-            <a:ext cx="3733800" cy="843514"/>
+            <a:off x="5562600" y="4191000"/>
+            <a:ext cx="3429000" cy="843514"/>
           </a:xfrm>
           <a:prstGeom prst="wedgeRectCallout">
             <a:avLst>
-              <a:gd name="adj1" fmla="val -62080"/>
+              <a:gd name="adj1" fmla="val -50544"/>
               <a:gd name="adj2" fmla="val 105918"/>
             </a:avLst>
           </a:prstGeom>
@@ -10301,7 +10076,7 @@
         </p:nvSpPr>
         <p:spPr>
           <a:xfrm>
-            <a:off x="3962400" y="5562600"/>
+            <a:off x="4876800" y="5562600"/>
             <a:ext cx="1219200" cy="457199"/>
           </a:xfrm>
           <a:prstGeom prst="rect">
@@ -10347,12 +10122,12 @@
           </p:cNvPicPr>
           <p:nvPr>
             <p:custDataLst>
-              <p:tags r:id="rId11"/>
+              <p:tags r:id="rId4"/>
             </p:custDataLst>
           </p:nvPr>
         </p:nvPicPr>
         <p:blipFill>
-          <a:blip r:embed="rId23" cstate="print">
+          <a:blip r:embed="rId15" cstate="print">
             <a:extLst>
               <a:ext uri="{28A0092B-C50C-407E-A947-70E740481C1C}">
                 <a14:useLocalDpi xmlns:a14="http://schemas.microsoft.com/office/drawing/2010/main" val="0"/>
@@ -10365,8 +10140,212 @@
         </p:blipFill>
         <p:spPr>
           <a:xfrm>
-            <a:off x="5233029" y="4648200"/>
+            <a:off x="5690229" y="4648200"/>
             <a:ext cx="558171" cy="245486"/>
+          </a:xfrm>
+          <a:prstGeom prst="rect">
+            <a:avLst/>
+          </a:prstGeom>
+        </p:spPr>
+      </p:pic>
+      <p:pic>
+        <p:nvPicPr>
+          <p:cNvPr id="19" name="图片 18"/>
+          <p:cNvPicPr>
+            <a:picLocks noChangeAspect="1"/>
+          </p:cNvPicPr>
+          <p:nvPr>
+            <p:custDataLst>
+              <p:tags r:id="rId5"/>
+            </p:custDataLst>
+          </p:nvPr>
+        </p:nvPicPr>
+        <p:blipFill>
+          <a:blip r:embed="rId16" cstate="print">
+            <a:extLst>
+              <a:ext uri="{28A0092B-C50C-407E-A947-70E740481C1C}">
+                <a14:useLocalDpi xmlns:a14="http://schemas.microsoft.com/office/drawing/2010/main" val="0"/>
+              </a:ext>
+            </a:extLst>
+          </a:blip>
+          <a:stretch>
+            <a:fillRect/>
+          </a:stretch>
+        </p:blipFill>
+        <p:spPr>
+          <a:xfrm>
+            <a:off x="2438402" y="2188515"/>
+            <a:ext cx="3679238" cy="402285"/>
+          </a:xfrm>
+          <a:prstGeom prst="rect">
+            <a:avLst/>
+          </a:prstGeom>
+        </p:spPr>
+      </p:pic>
+      <p:pic>
+        <p:nvPicPr>
+          <p:cNvPr id="21" name="图片 20"/>
+          <p:cNvPicPr>
+            <a:picLocks noChangeAspect="1"/>
+          </p:cNvPicPr>
+          <p:nvPr>
+            <p:custDataLst>
+              <p:tags r:id="rId6"/>
+            </p:custDataLst>
+          </p:nvPr>
+        </p:nvPicPr>
+        <p:blipFill>
+          <a:blip r:embed="rId17" cstate="print">
+            <a:extLst>
+              <a:ext uri="{28A0092B-C50C-407E-A947-70E740481C1C}">
+                <a14:useLocalDpi xmlns:a14="http://schemas.microsoft.com/office/drawing/2010/main" val="0"/>
+              </a:ext>
+            </a:extLst>
+          </a:blip>
+          <a:stretch>
+            <a:fillRect/>
+          </a:stretch>
+        </p:blipFill>
+        <p:spPr>
+          <a:xfrm>
+            <a:off x="1143000" y="2720371"/>
+            <a:ext cx="864000" cy="251429"/>
+          </a:xfrm>
+          <a:prstGeom prst="rect">
+            <a:avLst/>
+          </a:prstGeom>
+        </p:spPr>
+      </p:pic>
+      <p:pic>
+        <p:nvPicPr>
+          <p:cNvPr id="23" name="图片 22"/>
+          <p:cNvPicPr>
+            <a:picLocks noChangeAspect="1"/>
+          </p:cNvPicPr>
+          <p:nvPr>
+            <p:custDataLst>
+              <p:tags r:id="rId7"/>
+            </p:custDataLst>
+          </p:nvPr>
+        </p:nvPicPr>
+        <p:blipFill>
+          <a:blip r:embed="rId18" cstate="print">
+            <a:extLst>
+              <a:ext uri="{28A0092B-C50C-407E-A947-70E740481C1C}">
+                <a14:useLocalDpi xmlns:a14="http://schemas.microsoft.com/office/drawing/2010/main" val="0"/>
+              </a:ext>
+            </a:extLst>
+          </a:blip>
+          <a:stretch>
+            <a:fillRect/>
+          </a:stretch>
+        </p:blipFill>
+        <p:spPr>
+          <a:xfrm>
+            <a:off x="2209800" y="2720371"/>
+            <a:ext cx="885334" cy="251429"/>
+          </a:xfrm>
+          <a:prstGeom prst="rect">
+            <a:avLst/>
+          </a:prstGeom>
+        </p:spPr>
+      </p:pic>
+      <p:pic>
+        <p:nvPicPr>
+          <p:cNvPr id="24" name="图片 23"/>
+          <p:cNvPicPr>
+            <a:picLocks noChangeAspect="1"/>
+          </p:cNvPicPr>
+          <p:nvPr>
+            <p:custDataLst>
+              <p:tags r:id="rId8"/>
+            </p:custDataLst>
+          </p:nvPr>
+        </p:nvPicPr>
+        <p:blipFill>
+          <a:blip r:embed="rId19" cstate="print">
+            <a:extLst>
+              <a:ext uri="{28A0092B-C50C-407E-A947-70E740481C1C}">
+                <a14:useLocalDpi xmlns:a14="http://schemas.microsoft.com/office/drawing/2010/main" val="0"/>
+              </a:ext>
+            </a:extLst>
+          </a:blip>
+          <a:stretch>
+            <a:fillRect/>
+          </a:stretch>
+        </p:blipFill>
+        <p:spPr>
+          <a:xfrm>
+            <a:off x="3353231" y="2702105"/>
+            <a:ext cx="3428569" cy="422095"/>
+          </a:xfrm>
+          <a:prstGeom prst="rect">
+            <a:avLst/>
+          </a:prstGeom>
+        </p:spPr>
+      </p:pic>
+      <p:pic>
+        <p:nvPicPr>
+          <p:cNvPr id="4" name="图片 3"/>
+          <p:cNvPicPr>
+            <a:picLocks noChangeAspect="1"/>
+          </p:cNvPicPr>
+          <p:nvPr>
+            <p:custDataLst>
+              <p:tags r:id="rId9"/>
+            </p:custDataLst>
+          </p:nvPr>
+        </p:nvPicPr>
+        <p:blipFill>
+          <a:blip r:embed="rId20" cstate="print">
+            <a:extLst>
+              <a:ext uri="{28A0092B-C50C-407E-A947-70E740481C1C}">
+                <a14:useLocalDpi xmlns:a14="http://schemas.microsoft.com/office/drawing/2010/main" val="0"/>
+              </a:ext>
+            </a:extLst>
+          </a:blip>
+          <a:stretch>
+            <a:fillRect/>
+          </a:stretch>
+        </p:blipFill>
+        <p:spPr>
+          <a:xfrm>
+            <a:off x="919649" y="5625143"/>
+            <a:ext cx="6549334" cy="470857"/>
+          </a:xfrm>
+          <a:prstGeom prst="rect">
+            <a:avLst/>
+          </a:prstGeom>
+        </p:spPr>
+      </p:pic>
+      <p:pic>
+        <p:nvPicPr>
+          <p:cNvPr id="26" name="图片 25"/>
+          <p:cNvPicPr>
+            <a:picLocks noChangeAspect="1"/>
+          </p:cNvPicPr>
+          <p:nvPr>
+            <p:custDataLst>
+              <p:tags r:id="rId10"/>
+            </p:custDataLst>
+          </p:nvPr>
+        </p:nvPicPr>
+        <p:blipFill>
+          <a:blip r:embed="rId21" cstate="print">
+            <a:extLst>
+              <a:ext uri="{28A0092B-C50C-407E-A947-70E740481C1C}">
+                <a14:useLocalDpi xmlns:a14="http://schemas.microsoft.com/office/drawing/2010/main" val="0"/>
+              </a:ext>
+            </a:extLst>
+          </a:blip>
+          <a:stretch>
+            <a:fillRect/>
+          </a:stretch>
+        </p:blipFill>
+        <p:spPr>
+          <a:xfrm>
+            <a:off x="1143000" y="1548419"/>
+            <a:ext cx="6171428" cy="280381"/>
           </a:xfrm>
           <a:prstGeom prst="rect">
             <a:avLst/>
@@ -11571,6 +11550,14 @@
               <a:t>Computing </a:t>
             </a:r>
             <a:r>
+              <a:rPr lang="en-US" sz="2000" dirty="0" smtClean="0">
+                <a:latin typeface="Open Sans" panose="020B0606030504020204" pitchFamily="34" charset="0"/>
+                <a:ea typeface="Open Sans" panose="020B0606030504020204" pitchFamily="34" charset="0"/>
+                <a:cs typeface="Open Sans" panose="020B0606030504020204" pitchFamily="34" charset="0"/>
+              </a:rPr>
+              <a:t>the </a:t>
+            </a:r>
+            <a:r>
               <a:rPr lang="en-US" sz="2000" dirty="0" err="1" smtClean="0">
                 <a:latin typeface="Open Sans" panose="020B0606030504020204" pitchFamily="34" charset="0"/>
                 <a:ea typeface="Open Sans" panose="020B0606030504020204" pitchFamily="34" charset="0"/>
@@ -11592,7 +11579,15 @@
                 <a:ea typeface="Open Sans" panose="020B0606030504020204" pitchFamily="34" charset="0"/>
                 <a:cs typeface="Open Sans" panose="020B0606030504020204" pitchFamily="34" charset="0"/>
               </a:rPr>
-              <a:t> column of </a:t>
+              <a:t> </a:t>
+            </a:r>
+            <a:r>
+              <a:rPr lang="en-US" sz="2000" dirty="0" smtClean="0">
+                <a:latin typeface="Open Sans" panose="020B0606030504020204" pitchFamily="34" charset="0"/>
+                <a:ea typeface="Open Sans" panose="020B0606030504020204" pitchFamily="34" charset="0"/>
+                <a:cs typeface="Open Sans" panose="020B0606030504020204" pitchFamily="34" charset="0"/>
+              </a:rPr>
+              <a:t>column of </a:t>
             </a:r>
             <a:r>
               <a:rPr lang="en-US" sz="2000" b="1" dirty="0">
@@ -11680,7 +11675,7 @@
       </p:pic>
       <p:pic>
         <p:nvPicPr>
-          <p:cNvPr id="7" name="Picture 6"/>
+          <p:cNvPr id="21" name="图片 20"/>
           <p:cNvPicPr>
             <a:picLocks noChangeAspect="1"/>
           </p:cNvPicPr>
@@ -11704,8 +11699,8 @@
         </p:blipFill>
         <p:spPr>
           <a:xfrm>
-            <a:off x="1648124" y="5657124"/>
-            <a:ext cx="5438476" cy="286476"/>
+            <a:off x="1648124" y="5657123"/>
+            <a:ext cx="5496380" cy="286476"/>
           </a:xfrm>
           <a:prstGeom prst="rect">
             <a:avLst/>
@@ -23472,7 +23467,7 @@
           <a:lstStyle/>
           <a:p>
             <a:r>
-              <a:rPr lang="en-US" altLang="zh-CN" sz="2800">
+              <a:rPr lang="en-US" altLang="zh-CN" sz="2800" dirty="0">
                 <a:solidFill>
                   <a:srgbClr val="FF3300"/>
                 </a:solidFill>
@@ -23483,15 +23478,15 @@
           </a:p>
           <a:p>
             <a:r>
-              <a:rPr lang="en-US" altLang="zh-CN" sz="2800">
+              <a:rPr lang="en-US" altLang="zh-CN" sz="2800" dirty="0" smtClean="0">
                 <a:solidFill>
                   <a:srgbClr val="FF3300"/>
                 </a:solidFill>
                 <a:ea typeface="宋体" charset="0"/>
               </a:rPr>
-              <a:t>faster!</a:t>
-            </a:r>
-            <a:endParaRPr lang="en-US" altLang="en-US" sz="2800">
+              <a:t>faster</a:t>
+            </a:r>
+            <a:endParaRPr lang="en-US" altLang="en-US" sz="2800" dirty="0">
               <a:solidFill>
                 <a:srgbClr val="FF3300"/>
               </a:solidFill>
@@ -24231,7 +24226,7 @@
           <a:lstStyle/>
           <a:p>
             <a:r>
-              <a:rPr lang="en-US" altLang="zh-CN" sz="3200">
+              <a:rPr lang="en-US" altLang="zh-CN" sz="3200" dirty="0">
                 <a:solidFill>
                   <a:srgbClr val="FF3300"/>
                 </a:solidFill>
@@ -24242,15 +24237,15 @@
           </a:p>
           <a:p>
             <a:r>
-              <a:rPr lang="en-US" altLang="zh-CN" sz="3200">
+              <a:rPr lang="en-US" altLang="zh-CN" sz="3200" dirty="0" smtClean="0">
                 <a:solidFill>
                   <a:srgbClr val="FF3300"/>
                 </a:solidFill>
                 <a:ea typeface="宋体" charset="0"/>
               </a:rPr>
-              <a:t>faster!</a:t>
-            </a:r>
-            <a:endParaRPr lang="en-US" altLang="en-US" sz="3200">
+              <a:t>faster</a:t>
+            </a:r>
+            <a:endParaRPr lang="en-US" altLang="en-US" sz="3200" dirty="0">
               <a:solidFill>
                 <a:srgbClr val="FF3300"/>
               </a:solidFill>
@@ -25907,40 +25902,6 @@
           </a:p>
         </p:txBody>
       </p:sp>
-      <p:pic>
-        <p:nvPicPr>
-          <p:cNvPr id="7" name="Picture 6"/>
-          <p:cNvPicPr>
-            <a:picLocks noChangeAspect="1"/>
-          </p:cNvPicPr>
-          <p:nvPr>
-            <p:custDataLst>
-              <p:tags r:id="rId2"/>
-            </p:custDataLst>
-          </p:nvPr>
-        </p:nvPicPr>
-        <p:blipFill>
-          <a:blip r:embed="rId10" cstate="print">
-            <a:extLst>
-              <a:ext uri="{28A0092B-C50C-407E-A947-70E740481C1C}">
-                <a14:useLocalDpi xmlns:a14="http://schemas.microsoft.com/office/drawing/2010/main" val="0"/>
-              </a:ext>
-            </a:extLst>
-          </a:blip>
-          <a:stretch>
-            <a:fillRect/>
-          </a:stretch>
-        </p:blipFill>
-        <p:spPr>
-          <a:xfrm>
-            <a:off x="602641" y="1219200"/>
-            <a:ext cx="7822429" cy="1702383"/>
-          </a:xfrm>
-          <a:prstGeom prst="rect">
-            <a:avLst/>
-          </a:prstGeom>
-        </p:spPr>
-      </p:pic>
       <p:sp>
         <p:nvSpPr>
           <p:cNvPr id="9" name="Content Placeholder 1"/>
@@ -26163,12 +26124,12 @@
           </p:cNvPicPr>
           <p:nvPr>
             <p:custDataLst>
-              <p:tags r:id="rId3"/>
+              <p:tags r:id="rId2"/>
             </p:custDataLst>
           </p:nvPr>
         </p:nvPicPr>
         <p:blipFill>
-          <a:blip r:embed="rId11" cstate="print">
+          <a:blip r:embed="rId10" cstate="print">
             <a:extLst>
               <a:ext uri="{28A0092B-C50C-407E-A947-70E740481C1C}">
                 <a14:useLocalDpi xmlns:a14="http://schemas.microsoft.com/office/drawing/2010/main" val="0"/>
@@ -26197,12 +26158,12 @@
           </p:cNvPicPr>
           <p:nvPr>
             <p:custDataLst>
-              <p:tags r:id="rId4"/>
+              <p:tags r:id="rId3"/>
             </p:custDataLst>
           </p:nvPr>
         </p:nvPicPr>
         <p:blipFill>
-          <a:blip r:embed="rId12" cstate="print">
+          <a:blip r:embed="rId11" cstate="print">
             <a:extLst>
               <a:ext uri="{28A0092B-C50C-407E-A947-70E740481C1C}">
                 <a14:useLocalDpi xmlns:a14="http://schemas.microsoft.com/office/drawing/2010/main" val="0"/>
@@ -26231,12 +26192,12 @@
           </p:cNvPicPr>
           <p:nvPr>
             <p:custDataLst>
-              <p:tags r:id="rId5"/>
+              <p:tags r:id="rId4"/>
             </p:custDataLst>
           </p:nvPr>
         </p:nvPicPr>
         <p:blipFill>
-          <a:blip r:embed="rId13" cstate="print">
+          <a:blip r:embed="rId12" cstate="print">
             <a:extLst>
               <a:ext uri="{28A0092B-C50C-407E-A947-70E740481C1C}">
                 <a14:useLocalDpi xmlns:a14="http://schemas.microsoft.com/office/drawing/2010/main" val="0"/>
@@ -26265,12 +26226,12 @@
           </p:cNvPicPr>
           <p:nvPr>
             <p:custDataLst>
-              <p:tags r:id="rId6"/>
+              <p:tags r:id="rId5"/>
             </p:custDataLst>
           </p:nvPr>
         </p:nvPicPr>
         <p:blipFill>
-          <a:blip r:embed="rId14" cstate="print">
+          <a:blip r:embed="rId13" cstate="print">
             <a:extLst>
               <a:ext uri="{28A0092B-C50C-407E-A947-70E740481C1C}">
                 <a14:useLocalDpi xmlns:a14="http://schemas.microsoft.com/office/drawing/2010/main" val="0"/>
@@ -26299,6 +26260,40 @@
           </p:cNvPicPr>
           <p:nvPr>
             <p:custDataLst>
+              <p:tags r:id="rId6"/>
+            </p:custDataLst>
+          </p:nvPr>
+        </p:nvPicPr>
+        <p:blipFill>
+          <a:blip r:embed="rId14" cstate="print">
+            <a:extLst>
+              <a:ext uri="{28A0092B-C50C-407E-A947-70E740481C1C}">
+                <a14:useLocalDpi xmlns:a14="http://schemas.microsoft.com/office/drawing/2010/main" val="0"/>
+              </a:ext>
+            </a:extLst>
+          </a:blip>
+          <a:stretch>
+            <a:fillRect/>
+          </a:stretch>
+        </p:blipFill>
+        <p:spPr>
+          <a:xfrm>
+            <a:off x="1818695" y="5486400"/>
+            <a:ext cx="4505905" cy="332190"/>
+          </a:xfrm>
+          <a:prstGeom prst="rect">
+            <a:avLst/>
+          </a:prstGeom>
+        </p:spPr>
+      </p:pic>
+      <p:pic>
+        <p:nvPicPr>
+          <p:cNvPr id="15" name="图片 14"/>
+          <p:cNvPicPr>
+            <a:picLocks noChangeAspect="1"/>
+          </p:cNvPicPr>
+          <p:nvPr>
+            <p:custDataLst>
               <p:tags r:id="rId7"/>
             </p:custDataLst>
           </p:nvPr>
@@ -26317,8 +26312,8 @@
         </p:blipFill>
         <p:spPr>
           <a:xfrm>
-            <a:off x="1818695" y="5486400"/>
-            <a:ext cx="4505905" cy="332190"/>
+            <a:off x="609600" y="1219200"/>
+            <a:ext cx="7822430" cy="1702383"/>
           </a:xfrm>
           <a:prstGeom prst="rect">
             <a:avLst/>
@@ -26910,40 +26905,6 @@
           </a:p>
         </p:txBody>
       </p:sp>
-      <p:pic>
-        <p:nvPicPr>
-          <p:cNvPr id="5" name="Picture 4"/>
-          <p:cNvPicPr>
-            <a:picLocks noChangeAspect="1"/>
-          </p:cNvPicPr>
-          <p:nvPr>
-            <p:custDataLst>
-              <p:tags r:id="rId2"/>
-            </p:custDataLst>
-          </p:nvPr>
-        </p:nvPicPr>
-        <p:blipFill>
-          <a:blip r:embed="rId8" cstate="print">
-            <a:extLst>
-              <a:ext uri="{28A0092B-C50C-407E-A947-70E740481C1C}">
-                <a14:useLocalDpi xmlns:a14="http://schemas.microsoft.com/office/drawing/2010/main" val="0"/>
-              </a:ext>
-            </a:extLst>
-          </a:blip>
-          <a:stretch>
-            <a:fillRect/>
-          </a:stretch>
-        </p:blipFill>
-        <p:spPr>
-          <a:xfrm>
-            <a:off x="602641" y="1219200"/>
-            <a:ext cx="7822429" cy="1702383"/>
-          </a:xfrm>
-          <a:prstGeom prst="rect">
-            <a:avLst/>
-          </a:prstGeom>
-        </p:spPr>
-      </p:pic>
       <p:sp>
         <p:nvSpPr>
           <p:cNvPr id="6" name="Content Placeholder 1"/>
@@ -27399,12 +27360,12 @@
           </p:cNvPicPr>
           <p:nvPr>
             <p:custDataLst>
-              <p:tags r:id="rId3"/>
+              <p:tags r:id="rId2"/>
             </p:custDataLst>
           </p:nvPr>
         </p:nvPicPr>
         <p:blipFill>
-          <a:blip r:embed="rId9" cstate="print">
+          <a:blip r:embed="rId8" cstate="print">
             <a:extLst>
               <a:ext uri="{28A0092B-C50C-407E-A947-70E740481C1C}">
                 <a14:useLocalDpi xmlns:a14="http://schemas.microsoft.com/office/drawing/2010/main" val="0"/>
@@ -27433,12 +27394,12 @@
           </p:cNvPicPr>
           <p:nvPr>
             <p:custDataLst>
-              <p:tags r:id="rId4"/>
+              <p:tags r:id="rId3"/>
             </p:custDataLst>
           </p:nvPr>
         </p:nvPicPr>
         <p:blipFill>
-          <a:blip r:embed="rId10" cstate="print">
+          <a:blip r:embed="rId9" cstate="print">
             <a:extLst>
               <a:ext uri="{28A0092B-C50C-407E-A947-70E740481C1C}">
                 <a14:useLocalDpi xmlns:a14="http://schemas.microsoft.com/office/drawing/2010/main" val="0"/>
@@ -27467,12 +27428,12 @@
           </p:cNvPicPr>
           <p:nvPr>
             <p:custDataLst>
-              <p:tags r:id="rId5"/>
+              <p:tags r:id="rId4"/>
             </p:custDataLst>
           </p:nvPr>
         </p:nvPicPr>
         <p:blipFill>
-          <a:blip r:embed="rId11" cstate="print">
+          <a:blip r:embed="rId10" cstate="print">
             <a:extLst>
               <a:ext uri="{28A0092B-C50C-407E-A947-70E740481C1C}">
                 <a14:useLocalDpi xmlns:a14="http://schemas.microsoft.com/office/drawing/2010/main" val="0"/>
@@ -27723,6 +27684,40 @@
           </a:p>
         </p:txBody>
       </p:sp>
+      <p:pic>
+        <p:nvPicPr>
+          <p:cNvPr id="10" name="图片 9"/>
+          <p:cNvPicPr>
+            <a:picLocks noChangeAspect="1"/>
+          </p:cNvPicPr>
+          <p:nvPr>
+            <p:custDataLst>
+              <p:tags r:id="rId5"/>
+            </p:custDataLst>
+          </p:nvPr>
+        </p:nvPicPr>
+        <p:blipFill>
+          <a:blip r:embed="rId11" cstate="print">
+            <a:extLst>
+              <a:ext uri="{28A0092B-C50C-407E-A947-70E740481C1C}">
+                <a14:useLocalDpi xmlns:a14="http://schemas.microsoft.com/office/drawing/2010/main" val="0"/>
+              </a:ext>
+            </a:extLst>
+          </a:blip>
+          <a:stretch>
+            <a:fillRect/>
+          </a:stretch>
+        </p:blipFill>
+        <p:spPr>
+          <a:xfrm>
+            <a:off x="609600" y="1219200"/>
+            <a:ext cx="7822430" cy="1702383"/>
+          </a:xfrm>
+          <a:prstGeom prst="rect">
+            <a:avLst/>
+          </a:prstGeom>
+        </p:spPr>
+      </p:pic>
     </p:spTree>
     <p:custDataLst>
       <p:tags r:id="rId1"/>
@@ -30573,7 +30568,7 @@
       </p:pic>
       <p:pic>
         <p:nvPicPr>
-          <p:cNvPr id="3" name="Picture 2"/>
+          <p:cNvPr id="5" name="图片 4"/>
           <p:cNvPicPr>
             <a:picLocks noChangeAspect="1"/>
           </p:cNvPicPr>
@@ -30597,76 +30592,8 @@
         </p:blipFill>
         <p:spPr>
           <a:xfrm>
-            <a:off x="1219200" y="5105400"/>
-            <a:ext cx="3608382" cy="269715"/>
-          </a:xfrm>
-          <a:prstGeom prst="rect">
-            <a:avLst/>
-          </a:prstGeom>
-        </p:spPr>
-      </p:pic>
-      <p:pic>
-        <p:nvPicPr>
-          <p:cNvPr id="5" name="图片 4"/>
-          <p:cNvPicPr>
-            <a:picLocks noChangeAspect="1"/>
-          </p:cNvPicPr>
-          <p:nvPr>
-            <p:custDataLst>
-              <p:tags r:id="rId3"/>
-            </p:custDataLst>
-          </p:nvPr>
-        </p:nvPicPr>
-        <p:blipFill>
-          <a:blip r:embed="rId9" cstate="print">
-            <a:extLst>
-              <a:ext uri="{28A0092B-C50C-407E-A947-70E740481C1C}">
-                <a14:useLocalDpi xmlns:a14="http://schemas.microsoft.com/office/drawing/2010/main" val="0"/>
-              </a:ext>
-            </a:extLst>
-          </a:blip>
-          <a:stretch>
-            <a:fillRect/>
-          </a:stretch>
-        </p:blipFill>
-        <p:spPr>
-          <a:xfrm>
             <a:off x="5715000" y="4122648"/>
             <a:ext cx="2325333" cy="1820952"/>
-          </a:xfrm>
-          <a:prstGeom prst="rect">
-            <a:avLst/>
-          </a:prstGeom>
-        </p:spPr>
-      </p:pic>
-      <p:pic>
-        <p:nvPicPr>
-          <p:cNvPr id="6" name="图片 5"/>
-          <p:cNvPicPr>
-            <a:picLocks noChangeAspect="1"/>
-          </p:cNvPicPr>
-          <p:nvPr>
-            <p:custDataLst>
-              <p:tags r:id="rId4"/>
-            </p:custDataLst>
-          </p:nvPr>
-        </p:nvPicPr>
-        <p:blipFill>
-          <a:blip r:embed="rId10" cstate="print">
-            <a:extLst>
-              <a:ext uri="{28A0092B-C50C-407E-A947-70E740481C1C}">
-                <a14:useLocalDpi xmlns:a14="http://schemas.microsoft.com/office/drawing/2010/main" val="0"/>
-              </a:ext>
-            </a:extLst>
-          </a:blip>
-          <a:stretch>
-            <a:fillRect/>
-          </a:stretch>
-        </p:blipFill>
-        <p:spPr>
-          <a:xfrm>
-            <a:off x="1219200" y="5562600"/>
-            <a:ext cx="1295238" cy="233143"/>
           </a:xfrm>
           <a:prstGeom prst="rect">
             <a:avLst/>
@@ -30681,12 +30608,12 @@
           </p:cNvPicPr>
           <p:nvPr>
             <p:custDataLst>
-              <p:tags r:id="rId5"/>
+              <p:tags r:id="rId3"/>
             </p:custDataLst>
           </p:nvPr>
         </p:nvPicPr>
         <p:blipFill>
-          <a:blip r:embed="rId11" cstate="print">
+          <a:blip r:embed="rId9" cstate="print">
             <a:extLst>
               <a:ext uri="{28A0092B-C50C-407E-A947-70E740481C1C}">
                 <a14:useLocalDpi xmlns:a14="http://schemas.microsoft.com/office/drawing/2010/main" val="0"/>
@@ -32544,6 +32471,118 @@
           </a:p>
         </p:txBody>
       </p:sp>
+      <p:pic>
+        <p:nvPicPr>
+          <p:cNvPr id="63" name="图片 62"/>
+          <p:cNvPicPr>
+            <a:picLocks noChangeAspect="1"/>
+          </p:cNvPicPr>
+          <p:nvPr>
+            <p:custDataLst>
+              <p:tags r:id="rId4"/>
+            </p:custDataLst>
+          </p:nvPr>
+        </p:nvPicPr>
+        <p:blipFill>
+          <a:blip r:embed="rId10" cstate="print">
+            <a:extLst>
+              <a:ext uri="{28A0092B-C50C-407E-A947-70E740481C1C}">
+                <a14:useLocalDpi xmlns:a14="http://schemas.microsoft.com/office/drawing/2010/main" val="0"/>
+              </a:ext>
+            </a:extLst>
+          </a:blip>
+          <a:stretch>
+            <a:fillRect/>
+          </a:stretch>
+        </p:blipFill>
+        <p:spPr>
+          <a:xfrm>
+            <a:off x="1219200" y="5105400"/>
+            <a:ext cx="3850668" cy="280382"/>
+          </a:xfrm>
+          <a:prstGeom prst="rect">
+            <a:avLst/>
+          </a:prstGeom>
+        </p:spPr>
+      </p:pic>
+      <p:pic>
+        <p:nvPicPr>
+          <p:cNvPr id="64" name="图片 63"/>
+          <p:cNvPicPr>
+            <a:picLocks noChangeAspect="1"/>
+          </p:cNvPicPr>
+          <p:nvPr>
+            <p:custDataLst>
+              <p:tags r:id="rId5"/>
+            </p:custDataLst>
+          </p:nvPr>
+        </p:nvPicPr>
+        <p:blipFill>
+          <a:blip r:embed="rId11" cstate="print">
+            <a:extLst>
+              <a:ext uri="{28A0092B-C50C-407E-A947-70E740481C1C}">
+                <a14:useLocalDpi xmlns:a14="http://schemas.microsoft.com/office/drawing/2010/main" val="0"/>
+              </a:ext>
+            </a:extLst>
+          </a:blip>
+          <a:stretch>
+            <a:fillRect/>
+          </a:stretch>
+        </p:blipFill>
+        <p:spPr>
+          <a:xfrm>
+            <a:off x="1219200" y="5562599"/>
+            <a:ext cx="2006857" cy="252952"/>
+          </a:xfrm>
+          <a:prstGeom prst="rect">
+            <a:avLst/>
+          </a:prstGeom>
+        </p:spPr>
+      </p:pic>
+      <p:sp>
+        <p:nvSpPr>
+          <p:cNvPr id="10" name="TextBox 9"/>
+          <p:cNvSpPr txBox="1"/>
+          <p:nvPr/>
+        </p:nvSpPr>
+        <p:spPr>
+          <a:xfrm>
+            <a:off x="7599363" y="2643983"/>
+            <a:ext cx="1392237" cy="707886"/>
+          </a:xfrm>
+          <a:prstGeom prst="rect">
+            <a:avLst/>
+          </a:prstGeom>
+          <a:noFill/>
+        </p:spPr>
+        <p:txBody>
+          <a:bodyPr wrap="square" rtlCol="0">
+            <a:spAutoFit/>
+          </a:bodyPr>
+          <a:lstStyle/>
+          <a:p>
+            <a:pPr algn="ctr"/>
+            <a:r>
+              <a:rPr lang="en-US" altLang="zh-CN" sz="2000" dirty="0" smtClean="0">
+                <a:latin typeface="Open Sans"/>
+              </a:rPr>
+              <a:t>Walk</a:t>
+            </a:r>
+          </a:p>
+          <a:p>
+            <a:pPr algn="ctr"/>
+            <a:r>
+              <a:rPr lang="en-US" altLang="zh-CN" sz="2000" dirty="0" smtClean="0">
+                <a:latin typeface="Open Sans"/>
+              </a:rPr>
+              <a:t>1 -&gt; 2 -&gt; 4</a:t>
+            </a:r>
+            <a:endParaRPr lang="zh-CN" altLang="en-US" sz="2000" dirty="0">
+              <a:latin typeface="Open Sans"/>
+            </a:endParaRPr>
+          </a:p>
+        </p:txBody>
+      </p:sp>
     </p:spTree>
     <p:extLst>
       <p:ext uri="{BB962C8B-B14F-4D97-AF65-F5344CB8AC3E}">
@@ -33415,7 +33454,7 @@
       </p:pic>
       <p:pic>
         <p:nvPicPr>
-          <p:cNvPr id="11" name="Picture 10"/>
+          <p:cNvPr id="5" name="图片 4"/>
           <p:cNvPicPr>
             <a:picLocks noChangeAspect="1"/>
           </p:cNvPicPr>
@@ -33439,8 +33478,8 @@
         </p:blipFill>
         <p:spPr>
           <a:xfrm>
-            <a:off x="1782571" y="5835114"/>
-            <a:ext cx="808229" cy="184686"/>
+            <a:off x="1782572" y="5835114"/>
+            <a:ext cx="826515" cy="184686"/>
           </a:xfrm>
           <a:prstGeom prst="rect">
             <a:avLst/>
@@ -37377,10 +37416,10 @@
 <p:tagLst xmlns:a="http://schemas.openxmlformats.org/drawingml/2006/main" xmlns:r="http://schemas.openxmlformats.org/officeDocument/2006/relationships" xmlns:p="http://schemas.openxmlformats.org/presentationml/2006/main">
   <p:tag name="OUTPUTDPI" val="1200"/>
   <p:tag name="ORIGINALHEIGHT" val="75.74055"/>
-  <p:tag name="ORIGINALWIDTH" val="331.4586"/>
-  <p:tag name="LATEXADDIN" val="\documentclass{article}&#10;\usepackage{amsmath}&#10;\usepackage{bm}&#10;\pagestyle{empty}&#10;\begin{document}&#10;&#10;\[&#10;\bm{r} = \bm{e}_i&#10;\]&#10;&#10;&#10;\end{document}"/>
+  <p:tag name="ORIGINALWIDTH" val="338.9576"/>
+  <p:tag name="LATEXADDIN" val="\documentclass{article}&#10;\usepackage{amsmath}&#10;\usepackage{bm}&#10;\pagestyle{empty}&#10;\begin{document}&#10;&#10;\[&#10;\bm{r} = \bm{e_i}&#10;\]&#10;&#10;&#10;\end{document}"/>
   <p:tag name="IGUANATEXSIZE" val="24"/>
-  <p:tag name="IGUANATEXCURSOR" val="117"/>
+  <p:tag name="IGUANATEXCURSOR" val="116"/>
   <p:tag name="TRANSPARENCY" val="True"/>
   <p:tag name="FILENAME" val=""/>
   <p:tag name="LATEXENGINEID" val="0"/>
@@ -37753,11 +37792,11 @@
 <file path=ppt/tags/tag36.xml><?xml version="1.0" encoding="utf-8"?>
 <p:tagLst xmlns:a="http://schemas.openxmlformats.org/drawingml/2006/main" xmlns:r="http://schemas.openxmlformats.org/officeDocument/2006/relationships" xmlns:p="http://schemas.openxmlformats.org/presentationml/2006/main">
   <p:tag name="OUTPUTDPI" val="1200"/>
-  <p:tag name="ORIGINALHEIGHT" val="137.9828"/>
-  <p:tag name="ORIGINALWIDTH" val="1077.615"/>
-  <p:tag name="LATEXADDIN" val="\documentclass{article}&#10;\usepackage{amsmath}&#10;\usepackage{amssymb}&#10;\usepackage{bm}&#10;\pagestyle{empty}&#10;\begin{document}&#10;&#10;$\bm{v} \triangleq (v_1\ v_2\ \cdots\ v_n)^\top$&#10;&#10;&#10;\end{document}"/>
-  <p:tag name="IGUANATEXSIZE" val="22"/>
-  <p:tag name="IGUANATEXCURSOR" val="65"/>
+  <p:tag name="ORIGINALHEIGHT" val="455.943"/>
+  <p:tag name="ORIGINALWIDTH" val="2686.914"/>
+  <p:tag name="LATEXADDIN" val="\documentclass{article}&#10;\usepackage{amsmath}&#10;\usepackage{bm}&#10;\pagestyle{empty}&#10;\begin{document}&#10;&#10;$\bm{P} = \begin{pmatrix}&#10;\hat{\bm{P}} &amp; \bm{c(i)} &amp; \bm{c(j)} \\&#10;\bm{r(i)}^\top &amp; 0 &amp; p(i,j) \\&#10;\bm{r(j)}^\top &amp; p(j,i) &amp; 0&#10;\end{pmatrix},\ &#10;\bm{v} = \begin{pmatrix} \hat{\bm{v}} &amp; 0 &amp; 1 \end{pmatrix}^\top&#10;$&#10;&#10;&#10;\end{document}"/>
+  <p:tag name="IGUANATEXSIZE" val="20"/>
+  <p:tag name="IGUANATEXCURSOR" val="238"/>
   <p:tag name="TRANSPARENCY" val="True"/>
   <p:tag name="FILENAME" val=""/>
   <p:tag name="LATEXENGINEID" val="0"/>
@@ -37772,11 +37811,11 @@
 <file path=ppt/tags/tag37.xml><?xml version="1.0" encoding="utf-8"?>
 <p:tagLst xmlns:a="http://schemas.openxmlformats.org/drawingml/2006/main" xmlns:r="http://schemas.openxmlformats.org/officeDocument/2006/relationships" xmlns:p="http://schemas.openxmlformats.org/presentationml/2006/main">
   <p:tag name="OUTPUTDPI" val="1200"/>
-  <p:tag name="ORIGINALHEIGHT" val="101.9872"/>
-  <p:tag name="ORIGINALWIDTH" val="322.4597"/>
-  <p:tag name="LATEXADDIN" val="\documentclass{article}&#10;\usepackage{amsmath}&#10;\pagestyle{empty}&#10;\begin{document}&#10;$v_i = 0$&#10;&#10;&#10;&#10;\end{document}"/>
+  <p:tag name="ORIGINALHEIGHT" val="149.2313"/>
+  <p:tag name="ORIGINALWIDTH" val="2128.234"/>
+  <p:tag name="LATEXADDIN" val="\documentclass{article}&#10;\usepackage{amsmath}&#10;\usepackage{bm}&#10;\pagestyle{empty}&#10;\begin{document}&#10;&#10;&#10;$\hat{\bm{v}} = \hat{\bm{P}} \hat{\bm{v}} + \bm{c(j)} \ \Rightarrow\ \hat{\bm{v}} = (\bm{I} - \hat{\bm{P}})^{-1} \bm{c(j)}$&#10;&#10;\end{document}"/>
   <p:tag name="IGUANATEXSIZE" val="20"/>
-  <p:tag name="IGUANATEXCURSOR" val="89"/>
+  <p:tag name="IGUANATEXCURSOR" val="219"/>
   <p:tag name="TRANSPARENCY" val="True"/>
   <p:tag name="FILENAME" val=""/>
   <p:tag name="LATEXENGINEID" val="0"/>
@@ -37791,11 +37830,11 @@
 <file path=ppt/tags/tag38.xml><?xml version="1.0" encoding="utf-8"?>
 <p:tagLst xmlns:a="http://schemas.openxmlformats.org/drawingml/2006/main" xmlns:r="http://schemas.openxmlformats.org/officeDocument/2006/relationships" xmlns:p="http://schemas.openxmlformats.org/presentationml/2006/main">
   <p:tag name="OUTPUTDPI" val="1200"/>
-  <p:tag name="ORIGINALHEIGHT" val="119.985"/>
-  <p:tag name="ORIGINALWIDTH" val="328.459"/>
-  <p:tag name="LATEXADDIN" val="\documentclass{article}&#10;\usepackage{amsmath}&#10;\pagestyle{empty}&#10;\begin{document}&#10;$v_j = 1$&#10;&#10;&#10;&#10;\end{document}"/>
-  <p:tag name="IGUANATEXSIZE" val="20"/>
-  <p:tag name="IGUANATEXCURSOR" val="88"/>
+  <p:tag name="ORIGINALHEIGHT" val="134.2332"/>
+  <p:tag name="ORIGINALWIDTH" val="305.2118"/>
+  <p:tag name="LATEXADDIN" val="\documentclass{article}&#10;\usepackage{amsmath}&#10;\pagestyle{empty}&#10;\begin{document}&#10;&#10;$\Theta(n^2)$&#10;&#10;&#10;\end{document}"/>
+  <p:tag name="IGUANATEXSIZE" val="18"/>
+  <p:tag name="IGUANATEXCURSOR" val="94"/>
   <p:tag name="TRANSPARENCY" val="True"/>
   <p:tag name="FILENAME" val=""/>
   <p:tag name="LATEXENGINEID" val="0"/>
@@ -37810,11 +37849,11 @@
 <file path=ppt/tags/tag39.xml><?xml version="1.0" encoding="utf-8"?>
 <p:tagLst xmlns:a="http://schemas.openxmlformats.org/drawingml/2006/main" xmlns:r="http://schemas.openxmlformats.org/officeDocument/2006/relationships" xmlns:p="http://schemas.openxmlformats.org/presentationml/2006/main">
   <p:tag name="OUTPUTDPI" val="1200"/>
-  <p:tag name="ORIGINALHEIGHT" val="207.724"/>
-  <p:tag name="ORIGINALWIDTH" val="1307.837"/>
-  <p:tag name="LATEXADDIN" val="\documentclass{article}&#10;\usepackage{amsmath}&#10;\pagestyle{empty}&#10;\begin{document}&#10;&#10;$\forall k\neq i, j$, $v_k = \sum\limits_l p_{kl} \cdot v_l$&#10;&#10;&#10;\end{document}"/>
-  <p:tag name="IGUANATEXSIZE" val="20"/>
-  <p:tag name="IGUANATEXCURSOR" val="141"/>
+  <p:tag name="ORIGINALHEIGHT" val="179.9775"/>
+  <p:tag name="ORIGINALWIDTH" val="1646.044"/>
+  <p:tag name="LATEXADDIN" val="\documentclass{article}&#10;\usepackage{amsmath}&#10;\usepackage{amssymb}&#10;\usepackage{bm}&#10;\pagestyle{empty}&#10;\begin{document}&#10;&#10;$\bm{v} \triangleq \begin{pmatrix} v(1)&amp; v(2)&amp; \cdots&amp; v(n)\end{pmatrix}^\top$&#10;&#10;&#10;\end{document}"/>
+  <p:tag name="IGUANATEXSIZE" val="22"/>
+  <p:tag name="IGUANATEXCURSOR" val="190"/>
   <p:tag name="TRANSPARENCY" val="True"/>
   <p:tag name="FILENAME" val=""/>
   <p:tag name="LATEXENGINEID" val="0"/>
@@ -37848,11 +37887,11 @@
 <file path=ppt/tags/tag40.xml><?xml version="1.0" encoding="utf-8"?>
 <p:tagLst xmlns:a="http://schemas.openxmlformats.org/drawingml/2006/main" xmlns:r="http://schemas.openxmlformats.org/officeDocument/2006/relationships" xmlns:p="http://schemas.openxmlformats.org/presentationml/2006/main">
   <p:tag name="OUTPUTDPI" val="1200"/>
-  <p:tag name="ORIGINALHEIGHT" val="469.4413"/>
-  <p:tag name="ORIGINALWIDTH" val="1480.315"/>
-  <p:tag name="LATEXADDIN" val="\documentclass{article}&#10;\usepackage{amsmath}&#10;\usepackage{bm}&#10;\pagestyle{empty}&#10;\begin{document}&#10;&#10;$\bm{P} = \begin{pmatrix}&#10;\hat{\bm{P}} &amp; \bm{c}_i &amp; \bm{c}_j \\&#10;\bm{r}_i^\top &amp; 0 &amp; p(i,j) \\&#10;\bm{r}_j^\top &amp; p(j,i) &amp; 0&#10;\end{pmatrix}$&#10;&#10;&#10;\end{document}"/>
+  <p:tag name="ORIGINALHEIGHT" val="123.7346"/>
+  <p:tag name="ORIGINALWIDTH" val="425.1968"/>
+  <p:tag name="LATEXADDIN" val="\documentclass{article}&#10;\usepackage{amsmath}&#10;\pagestyle{empty}&#10;\begin{document}&#10;$v(i) = 0$&#10;&#10;&#10;&#10;\end{document}"/>
   <p:tag name="IGUANATEXSIZE" val="20"/>
-  <p:tag name="IGUANATEXCURSOR" val="60"/>
+  <p:tag name="IGUANATEXCURSOR" val="85"/>
   <p:tag name="TRANSPARENCY" val="True"/>
   <p:tag name="FILENAME" val=""/>
   <p:tag name="LATEXENGINEID" val="0"/>
@@ -37867,11 +37906,11 @@
 <file path=ppt/tags/tag41.xml><?xml version="1.0" encoding="utf-8"?>
 <p:tagLst xmlns:a="http://schemas.openxmlformats.org/drawingml/2006/main" xmlns:r="http://schemas.openxmlformats.org/officeDocument/2006/relationships" xmlns:p="http://schemas.openxmlformats.org/presentationml/2006/main">
   <p:tag name="OUTPUTDPI" val="1200"/>
-  <p:tag name="ORIGINALHEIGHT" val="179.9775"/>
-  <p:tag name="ORIGINALWIDTH" val="871.3911"/>
-  <p:tag name="LATEXADDIN" val="\documentclass{article}&#10;\usepackage{amsmath}&#10;\usepackage{bm}&#10;\pagestyle{empty}&#10;\begin{document}&#10;&#10;$\bm{v} = \begin{pmatrix} \hat{\bm{v}} &amp; 0 &amp; 1 \end{pmatrix}^\top$&#10;&#10;&#10;\end{document}"/>
+  <p:tag name="ORIGINALHEIGHT" val="123.7346"/>
+  <p:tag name="ORIGINALWIDTH" val="435.6955"/>
+  <p:tag name="LATEXADDIN" val="\documentclass{article}&#10;\usepackage{amsmath}&#10;\pagestyle{empty}&#10;\begin{document}&#10;$v(j) = 1$&#10;&#10;&#10;&#10;\end{document}"/>
   <p:tag name="IGUANATEXSIZE" val="20"/>
-  <p:tag name="IGUANATEXCURSOR" val="60"/>
+  <p:tag name="IGUANATEXCURSOR" val="85"/>
   <p:tag name="TRANSPARENCY" val="True"/>
   <p:tag name="FILENAME" val=""/>
   <p:tag name="LATEXENGINEID" val="0"/>
@@ -37886,11 +37925,11 @@
 <file path=ppt/tags/tag42.xml><?xml version="1.0" encoding="utf-8"?>
 <p:tagLst xmlns:a="http://schemas.openxmlformats.org/drawingml/2006/main" xmlns:r="http://schemas.openxmlformats.org/officeDocument/2006/relationships" xmlns:p="http://schemas.openxmlformats.org/presentationml/2006/main">
   <p:tag name="OUTPUTDPI" val="1200"/>
-  <p:tag name="ORIGINALHEIGHT" val="155.2306"/>
-  <p:tag name="ORIGINALWIDTH" val="1876.265"/>
-  <p:tag name="LATEXADDIN" val="\documentclass{article}&#10;\usepackage{amsmath}&#10;\usepackage{bm}&#10;\pagestyle{empty}&#10;\begin{document}&#10;&#10;&#10;$\hat{\bm{v}} = \hat{\bm{P}} \hat{\bm{v}} + \bm{c}_j \ \Rightarrow\ \hat{\bm{v}} = (\bm{I} - \hat{\bm{P}})^{-1} \bm{c}_j$&#10;&#10;\end{document}"/>
+  <p:tag name="ORIGINALHEIGHT" val="207.724"/>
+  <p:tag name="ORIGINALWIDTH" val="1687.289"/>
+  <p:tag name="LATEXADDIN" val="\documentclass{article}&#10;\usepackage{amsmath}&#10;\pagestyle{empty}&#10;\begin{document}&#10;&#10;$\forall k\neq i, j$, $v(k) = \sum\limits_l p(k,l) \cdot v(l)$&#10;&#10;&#10;\end{document}"/>
   <p:tag name="IGUANATEXSIZE" val="20"/>
-  <p:tag name="IGUANATEXCURSOR" val="201"/>
+  <p:tag name="IGUANATEXCURSOR" val="108"/>
   <p:tag name="TRANSPARENCY" val="True"/>
   <p:tag name="FILENAME" val=""/>
   <p:tag name="LATEXENGINEID" val="0"/>
@@ -37906,10 +37945,10 @@
 <p:tagLst xmlns:a="http://schemas.openxmlformats.org/drawingml/2006/main" xmlns:r="http://schemas.openxmlformats.org/officeDocument/2006/relationships" xmlns:p="http://schemas.openxmlformats.org/presentationml/2006/main">
   <p:tag name="OUTPUTDPI" val="1200"/>
   <p:tag name="ORIGINALHEIGHT" val="231.721"/>
-  <p:tag name="ORIGINALWIDTH" val="2659.917"/>
-  <p:tag name="LATEXADDIN" val="\documentclass{article}&#10;\usepackage{amsmath}&#10;\usepackage{bm}&#10;\pagestyle{empty}&#10;\begin{document}&#10;&#10;$\mathrm{ep}(i\rightarrow j) = \sum\limits_k p_{ik} \cdot v_k = \bm{r}_i^\top (\bm{I} - \hat{\bm{P}})^{-1} \bm{c}_j + p(i,j)$&#10;&#10;&#10;\end{document}"/>
+  <p:tag name="ORIGINALWIDTH" val="3223.097"/>
+  <p:tag name="LATEXADDIN" val="\documentclass{article}&#10;\usepackage{amsmath}&#10;\usepackage{bm}&#10;\pagestyle{empty}&#10;\begin{document}&#10;&#10;$\mathrm{ep}(i\rightarrow j) = \sum\limits_k p(i,k) \cdot v(k) = \bm{r(i)}^\top (\bm{I} - \hat{\bm{P}})^{-1} \bm{c(j)} + p(i,j)$&#10;&#10;&#10;\end{document}"/>
   <p:tag name="IGUANATEXSIZE" val="20"/>
-  <p:tag name="IGUANATEXCURSOR" val="60"/>
+  <p:tag name="IGUANATEXCURSOR" val="215"/>
   <p:tag name="TRANSPARENCY" val="True"/>
   <p:tag name="FILENAME" val=""/>
   <p:tag name="LATEXENGINEID" val="0"/>
@@ -37925,10 +37964,10 @@
 <p:tagLst xmlns:a="http://schemas.openxmlformats.org/drawingml/2006/main" xmlns:r="http://schemas.openxmlformats.org/officeDocument/2006/relationships" xmlns:p="http://schemas.openxmlformats.org/presentationml/2006/main">
   <p:tag name="OUTPUTDPI" val="1200"/>
   <p:tag name="ORIGINALHEIGHT" val="137.9828"/>
-  <p:tag name="ORIGINALWIDTH" val="2928.384"/>
-  <p:tag name="LATEXADDIN" val="\documentclass{article}&#10;\usepackage{amsmath}&#10;\usepackage{amssymb}&#10;\pagestyle{empty}&#10;\begin{document}&#10;&#10;$v_k \triangleq $ Pr[A random walk starting at $k$ visits $j$ before $i$]&#10;&#10;&#10;\end{document}"/>
+  <p:tag name="ORIGINALWIDTH" val="3037.12"/>
+  <p:tag name="LATEXADDIN" val="\documentclass{article}&#10;\usepackage{amsmath}&#10;\usepackage{amssymb}&#10;\pagestyle{empty}&#10;\begin{document}&#10;&#10;$v(k) \triangleq $ Pr[A random walk starting at $k$ visits $j$ before $i$]&#10;&#10;&#10;\end{document}"/>
   <p:tag name="IGUANATEXSIZE" val="20"/>
-  <p:tag name="IGUANATEXCURSOR" val="65"/>
+  <p:tag name="IGUANATEXCURSOR" val="107"/>
   <p:tag name="TRANSPARENCY" val="True"/>
   <p:tag name="FILENAME" val=""/>
   <p:tag name="LATEXENGINEID" val="0"/>
@@ -37942,30 +37981,11 @@
 
 <file path=ppt/tags/tag45.xml><?xml version="1.0" encoding="utf-8"?>
 <p:tagLst xmlns:a="http://schemas.openxmlformats.org/drawingml/2006/main" xmlns:r="http://schemas.openxmlformats.org/officeDocument/2006/relationships" xmlns:p="http://schemas.openxmlformats.org/presentationml/2006/main">
-  <p:tag name="OUTPUTDPI" val="1200"/>
-  <p:tag name="ORIGINALHEIGHT" val="134.2332"/>
-  <p:tag name="ORIGINALWIDTH" val="305.2118"/>
-  <p:tag name="LATEXADDIN" val="\documentclass{article}&#10;\usepackage{amsmath}&#10;\pagestyle{empty}&#10;\begin{document}&#10;&#10;$\Theta(n^2)$&#10;&#10;&#10;\end{document}"/>
-  <p:tag name="IGUANATEXSIZE" val="18"/>
-  <p:tag name="IGUANATEXCURSOR" val="94"/>
-  <p:tag name="TRANSPARENCY" val="True"/>
-  <p:tag name="FILENAME" val=""/>
-  <p:tag name="LATEXENGINEID" val="0"/>
-  <p:tag name="TEMPFOLDER" val="c:\temp\"/>
-  <p:tag name="LATEXFORMHEIGHT" val="312"/>
-  <p:tag name="LATEXFORMWIDTH" val="384"/>
-  <p:tag name="LATEXFORMWRAP" val="True"/>
-  <p:tag name="BITMAPVECTOR" val="0"/>
+  <p:tag name="TIMING" val="|14.6"/>
 </p:tagLst>
 </file>
 
 <file path=ppt/tags/tag46.xml><?xml version="1.0" encoding="utf-8"?>
-<p:tagLst xmlns:a="http://schemas.openxmlformats.org/drawingml/2006/main" xmlns:r="http://schemas.openxmlformats.org/officeDocument/2006/relationships" xmlns:p="http://schemas.openxmlformats.org/presentationml/2006/main">
-  <p:tag name="TIMING" val="|14.6"/>
-</p:tagLst>
-</file>
-
-<file path=ppt/tags/tag47.xml><?xml version="1.0" encoding="utf-8"?>
 <p:tagLst xmlns:a="http://schemas.openxmlformats.org/drawingml/2006/main" xmlns:r="http://schemas.openxmlformats.org/officeDocument/2006/relationships" xmlns:p="http://schemas.openxmlformats.org/presentationml/2006/main">
   <p:tag name="OUTPUTDPI" val="1200"/>
   <p:tag name="ORIGINALHEIGHT" val="127.3152"/>
@@ -37984,7 +38004,7 @@
 </p:tagLst>
 </file>
 
-<file path=ppt/tags/tag48.xml><?xml version="1.0" encoding="utf-8"?>
+<file path=ppt/tags/tag47.xml><?xml version="1.0" encoding="utf-8"?>
 <p:tagLst xmlns:a="http://schemas.openxmlformats.org/drawingml/2006/main" xmlns:r="http://schemas.openxmlformats.org/officeDocument/2006/relationships" xmlns:p="http://schemas.openxmlformats.org/presentationml/2006/main">
   <p:tag name="OUTPUTDPI" val="1200"/>
   <p:tag name="ORIGINALHEIGHT" val="133.4833"/>
@@ -38003,7 +38023,7 @@
 </p:tagLst>
 </file>
 
-<file path=ppt/tags/tag49.xml><?xml version="1.0" encoding="utf-8"?>
+<file path=ppt/tags/tag48.xml><?xml version="1.0" encoding="utf-8"?>
 <p:tagLst xmlns:a="http://schemas.openxmlformats.org/drawingml/2006/main" xmlns:r="http://schemas.openxmlformats.org/officeDocument/2006/relationships" xmlns:p="http://schemas.openxmlformats.org/presentationml/2006/main">
   <p:tag name="OUTPUTDPI" val="1200"/>
   <p:tag name="ORIGINALHEIGHT" val="191.2261"/>
@@ -38022,26 +38042,7 @@
 </p:tagLst>
 </file>
 
-<file path=ppt/tags/tag5.xml><?xml version="1.0" encoding="utf-8"?>
-<p:tagLst xmlns:a="http://schemas.openxmlformats.org/drawingml/2006/main" xmlns:r="http://schemas.openxmlformats.org/officeDocument/2006/relationships" xmlns:p="http://schemas.openxmlformats.org/presentationml/2006/main">
-  <p:tag name="OUTPUTDPI" val="1200"/>
-  <p:tag name="ORIGINALHEIGHT" val="132.7334"/>
-  <p:tag name="ORIGINALWIDTH" val="1775.778"/>
-  <p:tag name="LATEXADDIN" val="\documentclass{article}&#10;\usepackage{amsmath}&#10;\usepackage{bm}&#10;\usepackage{amssymb}&#10;\pagestyle{empty}&#10;\begin{document}&#10;&#10;$\bm{p}_t \triangleq \mathrm{probability\ vector\ at\ time}\ t$&#10;&#10;&#10;\end{document}"/>
-  <p:tag name="IGUANATEXSIZE" val="20"/>
-  <p:tag name="IGUANATEXCURSOR" val="178"/>
-  <p:tag name="TRANSPARENCY" val="True"/>
-  <p:tag name="FILENAME" val=""/>
-  <p:tag name="LATEXENGINEID" val="0"/>
-  <p:tag name="TEMPFOLDER" val="c:\temp\"/>
-  <p:tag name="LATEXFORMHEIGHT" val="312"/>
-  <p:tag name="LATEXFORMWIDTH" val="384"/>
-  <p:tag name="LATEXFORMWRAP" val="True"/>
-  <p:tag name="BITMAPVECTOR" val="0"/>
-</p:tagLst>
-</file>
-
-<file path=ppt/tags/tag50.xml><?xml version="1.0" encoding="utf-8"?>
+<file path=ppt/tags/tag49.xml><?xml version="1.0" encoding="utf-8"?>
 <p:tagLst xmlns:a="http://schemas.openxmlformats.org/drawingml/2006/main" xmlns:r="http://schemas.openxmlformats.org/officeDocument/2006/relationships" xmlns:p="http://schemas.openxmlformats.org/presentationml/2006/main">
   <p:tag name="OUTPUTDPI" val="1200"/>
   <p:tag name="ORIGINALHEIGHT" val="134.2332"/>
@@ -38060,13 +38061,32 @@
 </p:tagLst>
 </file>
 
-<file path=ppt/tags/tag51.xml><?xml version="1.0" encoding="utf-8"?>
+<file path=ppt/tags/tag5.xml><?xml version="1.0" encoding="utf-8"?>
+<p:tagLst xmlns:a="http://schemas.openxmlformats.org/drawingml/2006/main" xmlns:r="http://schemas.openxmlformats.org/officeDocument/2006/relationships" xmlns:p="http://schemas.openxmlformats.org/presentationml/2006/main">
+  <p:tag name="OUTPUTDPI" val="1200"/>
+  <p:tag name="ORIGINALHEIGHT" val="896.1379"/>
+  <p:tag name="ORIGINALWIDTH" val="1144.357"/>
+  <p:tag name="LATEXADDIN" val="\documentclass{article}&#10;\usepackage{amsmath}&#10;\usepackage{bm}&#10;\pagestyle{empty}&#10;\usepackage{setspace}&#10;\begin{document}&#10;\begin{spacing}{1.5}&#10;&#10;\[&#10;\bm{P} = \begin{pmatrix}&#10;0 &amp; \frac{1}{3} &amp; \frac{1}{3} &amp; \frac{1}{3} \\&#10;\frac{1}{3} &amp; 0 &amp; \frac{1}{3} &amp; \frac{1}{3} \\&#10;\frac{1}{3} &amp; \frac{1}{3} &amp; 0 &amp; \frac{1}{3} \\&#10;\frac{1}{3} &amp; \frac{1}{3} &amp; \frac{1}{3} &amp; 0&#10;\end{pmatrix}&#10;\]&#10;&#10;\end{spacing}&#10;\end{document}"/>
+  <p:tag name="IGUANATEXSIZE" val="20"/>
+  <p:tag name="IGUANATEXCURSOR" val="399"/>
+  <p:tag name="TRANSPARENCY" val="True"/>
+  <p:tag name="FILENAME" val=""/>
+  <p:tag name="LATEXENGINEID" val="0"/>
+  <p:tag name="TEMPFOLDER" val="c:\temp\"/>
+  <p:tag name="LATEXFORMHEIGHT" val="312"/>
+  <p:tag name="LATEXFORMWIDTH" val="380"/>
+  <p:tag name="LATEXFORMWRAP" val="True"/>
+  <p:tag name="BITMAPVECTOR" val="0"/>
+</p:tagLst>
+</file>
+
+<file path=ppt/tags/tag50.xml><?xml version="1.0" encoding="utf-8"?>
 <p:tagLst xmlns:a="http://schemas.openxmlformats.org/drawingml/2006/main" xmlns:r="http://schemas.openxmlformats.org/officeDocument/2006/relationships" xmlns:p="http://schemas.openxmlformats.org/presentationml/2006/main">
   <p:tag name="TIMING" val="|14.6"/>
 </p:tagLst>
 </file>
 
-<file path=ppt/tags/tag52.xml><?xml version="1.0" encoding="utf-8"?>
+<file path=ppt/tags/tag51.xml><?xml version="1.0" encoding="utf-8"?>
 <p:tagLst xmlns:a="http://schemas.openxmlformats.org/drawingml/2006/main" xmlns:r="http://schemas.openxmlformats.org/officeDocument/2006/relationships" xmlns:p="http://schemas.openxmlformats.org/presentationml/2006/main">
   <p:tag name="OUTPUTDPI" val="1200"/>
   <p:tag name="ORIGINALHEIGHT" val="127.3152"/>
@@ -38085,7 +38105,7 @@
 </p:tagLst>
 </file>
 
-<file path=ppt/tags/tag53.xml><?xml version="1.0" encoding="utf-8"?>
+<file path=ppt/tags/tag52.xml><?xml version="1.0" encoding="utf-8"?>
 <p:tagLst xmlns:a="http://schemas.openxmlformats.org/drawingml/2006/main" xmlns:r="http://schemas.openxmlformats.org/officeDocument/2006/relationships" xmlns:p="http://schemas.openxmlformats.org/presentationml/2006/main">
   <p:tag name="OUTPUTDPI" val="1200"/>
   <p:tag name="ORIGINALHEIGHT" val="140.9824"/>
@@ -38104,14 +38124,14 @@
 </p:tagLst>
 </file>
 
-<file path=ppt/tags/tag54.xml><?xml version="1.0" encoding="utf-8"?>
+<file path=ppt/tags/tag53.xml><?xml version="1.0" encoding="utf-8"?>
 <p:tagLst xmlns:a="http://schemas.openxmlformats.org/drawingml/2006/main" xmlns:r="http://schemas.openxmlformats.org/officeDocument/2006/relationships" xmlns:p="http://schemas.openxmlformats.org/presentationml/2006/main">
   <p:tag name="OUTPUTDPI" val="1200"/>
   <p:tag name="ORIGINALHEIGHT" val="140.9824"/>
-  <p:tag name="ORIGINALWIDTH" val="2676.416"/>
-  <p:tag name="LATEXADDIN" val="\documentclass{article}&#10;\usepackage{amsmath}&#10;\pagestyle{empty}&#10;\usepackage{bm}&#10;\begin{document}&#10;&#10;\begin{align*}&#10;\bm{Q}\bm{e}_i &amp;= (\bm{I} - c\bm{P})^{-1} \bm{e}_i = \bm{e}_i + c\bm{P} \bm{e}_i + (c\bm{P})^2 \bm{e}_i + \cdots&#10;\end{align*}&#10;&#10;&#10;\end{document}"/>
+  <p:tag name="ORIGINALWIDTH" val="2704.912"/>
+  <p:tag name="LATEXADDIN" val="\documentclass{article}&#10;\usepackage{amsmath}&#10;\pagestyle{empty}&#10;\usepackage{bm}&#10;\begin{document}&#10;&#10;\begin{align*}&#10;\bm{Q}\bm{e_i} &amp;= (\bm{I} - c\bm{P})^{-1} \bm{e_i} = \bm{e_i} + c\bm{P} \bm{e_i} + (c\bm{P})^2 \bm{e_i} + \cdots&#10;\end{align*}&#10;&#10;&#10;\end{document}"/>
   <p:tag name="IGUANATEXSIZE" val="20"/>
-  <p:tag name="IGUANATEXCURSOR" val="78"/>
+  <p:tag name="IGUANATEXCURSOR" val="216"/>
   <p:tag name="TRANSPARENCY" val="True"/>
   <p:tag name="FILENAME" val=""/>
   <p:tag name="LATEXENGINEID" val="0"/>
@@ -38123,7 +38143,7 @@
 </p:tagLst>
 </file>
 
-<file path=ppt/tags/tag55.xml><?xml version="1.0" encoding="utf-8"?>
+<file path=ppt/tags/tag54.xml><?xml version="1.0" encoding="utf-8"?>
 <p:tagLst xmlns:a="http://schemas.openxmlformats.org/drawingml/2006/main" xmlns:r="http://schemas.openxmlformats.org/officeDocument/2006/relationships" xmlns:p="http://schemas.openxmlformats.org/presentationml/2006/main">
   <p:tag name="OUTPUTDPI" val="1200"/>
   <p:tag name="ORIGINALHEIGHT" val="123.7346"/>
@@ -38142,7 +38162,7 @@
 </p:tagLst>
 </file>
 
-<file path=ppt/tags/tag56.xml><?xml version="1.0" encoding="utf-8"?>
+<file path=ppt/tags/tag55.xml><?xml version="1.0" encoding="utf-8"?>
 <p:tagLst xmlns:a="http://schemas.openxmlformats.org/drawingml/2006/main" xmlns:r="http://schemas.openxmlformats.org/officeDocument/2006/relationships" xmlns:p="http://schemas.openxmlformats.org/presentationml/2006/main">
   <p:tag name="OUTPUTDPI" val="1200"/>
   <p:tag name="ORIGINALHEIGHT" val="123.7346"/>
@@ -38161,9 +38181,28 @@
 </p:tagLst>
 </file>
 
+<file path=ppt/tags/tag56.xml><?xml version="1.0" encoding="utf-8"?>
+<p:tagLst xmlns:a="http://schemas.openxmlformats.org/drawingml/2006/main" xmlns:r="http://schemas.openxmlformats.org/officeDocument/2006/relationships" xmlns:p="http://schemas.openxmlformats.org/presentationml/2006/main">
+  <p:tag name="TIMING" val="|34.9"/>
+</p:tagLst>
+</file>
+
 <file path=ppt/tags/tag57.xml><?xml version="1.0" encoding="utf-8"?>
 <p:tagLst xmlns:a="http://schemas.openxmlformats.org/drawingml/2006/main" xmlns:r="http://schemas.openxmlformats.org/officeDocument/2006/relationships" xmlns:p="http://schemas.openxmlformats.org/presentationml/2006/main">
-  <p:tag name="TIMING" val="|34.9"/>
+  <p:tag name="OUTPUTDPI" val="1200"/>
+  <p:tag name="ORIGINALHEIGHT" val="123.7346"/>
+  <p:tag name="ORIGINALWIDTH" val="1169.104"/>
+  <p:tag name="LATEXADDIN" val="\documentclass{article}&#10;\usepackage{amsmath}&#10;\pagestyle{empty}&#10;\begin{document}&#10;&#10;$\mathrm{ep}(i \rightarrow j) + \mathrm{ep}(j \rightarrow i)$&#10;&#10;&#10;\end{document}"/>
+  <p:tag name="IGUANATEXSIZE" val="24"/>
+  <p:tag name="IGUANATEXCURSOR" val="140"/>
+  <p:tag name="TRANSPARENCY" val="True"/>
+  <p:tag name="FILENAME" val=""/>
+  <p:tag name="LATEXENGINEID" val="0"/>
+  <p:tag name="TEMPFOLDER" val="c:\temp\"/>
+  <p:tag name="LATEXFORMHEIGHT" val="312"/>
+  <p:tag name="LATEXFORMWIDTH" val="384"/>
+  <p:tag name="LATEXFORMWRAP" val="True"/>
+  <p:tag name="BITMAPVECTOR" val="0"/>
 </p:tagLst>
 </file>
 
@@ -38192,7 +38231,7 @@
   <p:tag name="ORIGINALHEIGHT" val="123.7346"/>
   <p:tag name="ORIGINALWIDTH" val="1169.104"/>
   <p:tag name="LATEXADDIN" val="\documentclass{article}&#10;\usepackage{amsmath}&#10;\pagestyle{empty}&#10;\begin{document}&#10;&#10;$\mathrm{ep}(i \rightarrow j) + \mathrm{ep}(j \rightarrow i)$&#10;&#10;&#10;\end{document}"/>
-  <p:tag name="IGUANATEXSIZE" val="24"/>
+  <p:tag name="IGUANATEXSIZE" val="22"/>
   <p:tag name="IGUANATEXCURSOR" val="140"/>
   <p:tag name="TRANSPARENCY" val="True"/>
   <p:tag name="FILENAME" val=""/>
@@ -38208,11 +38247,11 @@
 <file path=ppt/tags/tag6.xml><?xml version="1.0" encoding="utf-8"?>
 <p:tagLst xmlns:a="http://schemas.openxmlformats.org/drawingml/2006/main" xmlns:r="http://schemas.openxmlformats.org/officeDocument/2006/relationships" xmlns:p="http://schemas.openxmlformats.org/presentationml/2006/main">
   <p:tag name="OUTPUTDPI" val="1200"/>
-  <p:tag name="ORIGINALHEIGHT" val="896.1379"/>
-  <p:tag name="ORIGINALWIDTH" val="1144.357"/>
-  <p:tag name="LATEXADDIN" val="\documentclass{article}&#10;\usepackage{amsmath}&#10;\usepackage{bm}&#10;\pagestyle{empty}&#10;\usepackage{setspace}&#10;\begin{document}&#10;\begin{spacing}{1.5}&#10;&#10;\[&#10;\bm{P} = \begin{pmatrix}&#10;0 &amp; \frac{1}{3} &amp; \frac{1}{3} &amp; \frac{1}{3} \\&#10;\frac{1}{3} &amp; 0 &amp; \frac{1}{3} &amp; \frac{1}{3} \\&#10;\frac{1}{3} &amp; \frac{1}{3} &amp; 0 &amp; \frac{1}{3} \\&#10;\frac{1}{3} &amp; \frac{1}{3} &amp; \frac{1}{3} &amp; 0&#10;\end{pmatrix}&#10;\]&#10;&#10;\end{spacing}&#10;\end{document}"/>
-  <p:tag name="IGUANATEXSIZE" val="20"/>
-  <p:tag name="IGUANATEXCURSOR" val="399"/>
+  <p:tag name="ORIGINALHEIGHT" val="123.7346"/>
+  <p:tag name="ORIGINALWIDTH" val="641.9197"/>
+  <p:tag name="LATEXADDIN" val="\documentclass{article}&#10;\usepackage{amsmath}&#10;\usepackage{bm}&#10;\pagestyle{empty}&#10;\begin{document}&#10;&#10;&#10;$\bm{P} = \left[p(i,j)\right]$&#10;&#10;\end{document}"/>
+  <p:tag name="IGUANATEXSIZE" val="22"/>
+  <p:tag name="IGUANATEXCURSOR" val="144"/>
   <p:tag name="TRANSPARENCY" val="True"/>
   <p:tag name="FILENAME" val=""/>
   <p:tag name="LATEXENGINEID" val="0"/>
@@ -38226,30 +38265,11 @@
 
 <file path=ppt/tags/tag60.xml><?xml version="1.0" encoding="utf-8"?>
 <p:tagLst xmlns:a="http://schemas.openxmlformats.org/drawingml/2006/main" xmlns:r="http://schemas.openxmlformats.org/officeDocument/2006/relationships" xmlns:p="http://schemas.openxmlformats.org/presentationml/2006/main">
-  <p:tag name="OUTPUTDPI" val="1200"/>
-  <p:tag name="ORIGINALHEIGHT" val="123.7346"/>
-  <p:tag name="ORIGINALWIDTH" val="1169.104"/>
-  <p:tag name="LATEXADDIN" val="\documentclass{article}&#10;\usepackage{amsmath}&#10;\pagestyle{empty}&#10;\begin{document}&#10;&#10;$\mathrm{ep}(i \rightarrow j) + \mathrm{ep}(j \rightarrow i)$&#10;&#10;&#10;\end{document}"/>
-  <p:tag name="IGUANATEXSIZE" val="22"/>
-  <p:tag name="IGUANATEXCURSOR" val="140"/>
-  <p:tag name="TRANSPARENCY" val="True"/>
-  <p:tag name="FILENAME" val=""/>
-  <p:tag name="LATEXENGINEID" val="0"/>
-  <p:tag name="TEMPFOLDER" val="c:\temp\"/>
-  <p:tag name="LATEXFORMHEIGHT" val="312"/>
-  <p:tag name="LATEXFORMWIDTH" val="384"/>
-  <p:tag name="LATEXFORMWRAP" val="True"/>
-  <p:tag name="BITMAPVECTOR" val="0"/>
+  <p:tag name="TIMING" val="|36.8|20.5"/>
 </p:tagLst>
 </file>
 
 <file path=ppt/tags/tag61.xml><?xml version="1.0" encoding="utf-8"?>
-<p:tagLst xmlns:a="http://schemas.openxmlformats.org/drawingml/2006/main" xmlns:r="http://schemas.openxmlformats.org/officeDocument/2006/relationships" xmlns:p="http://schemas.openxmlformats.org/presentationml/2006/main">
-  <p:tag name="TIMING" val="|36.8|20.5"/>
-</p:tagLst>
-</file>
-
-<file path=ppt/tags/tag62.xml><?xml version="1.0" encoding="utf-8"?>
 <p:tagLst xmlns:a="http://schemas.openxmlformats.org/drawingml/2006/main" xmlns:r="http://schemas.openxmlformats.org/officeDocument/2006/relationships" xmlns:p="http://schemas.openxmlformats.org/presentationml/2006/main">
   <p:tag name="OUTPUTDPI" val="1200"/>
   <p:tag name="ORIGINALHEIGHT" val="123.7346"/>
@@ -38268,7 +38288,7 @@
 </p:tagLst>
 </file>
 
-<file path=ppt/tags/tag63.xml><?xml version="1.0" encoding="utf-8"?>
+<file path=ppt/tags/tag62.xml><?xml version="1.0" encoding="utf-8"?>
 <p:tagLst xmlns:a="http://schemas.openxmlformats.org/drawingml/2006/main" xmlns:r="http://schemas.openxmlformats.org/officeDocument/2006/relationships" xmlns:p="http://schemas.openxmlformats.org/presentationml/2006/main">
   <p:tag name="OUTPUTDPI" val="1200"/>
   <p:tag name="ORIGINALHEIGHT" val="123.7346"/>
@@ -38287,7 +38307,7 @@
 </p:tagLst>
 </file>
 
-<file path=ppt/tags/tag64.xml><?xml version="1.0" encoding="utf-8"?>
+<file path=ppt/tags/tag63.xml><?xml version="1.0" encoding="utf-8"?>
 <p:tagLst xmlns:a="http://schemas.openxmlformats.org/drawingml/2006/main" xmlns:r="http://schemas.openxmlformats.org/officeDocument/2006/relationships" xmlns:p="http://schemas.openxmlformats.org/presentationml/2006/main">
   <p:tag name="OUTPUTDPI" val="1200"/>
   <p:tag name="ORIGINALHEIGHT" val="123.7346"/>
@@ -38306,13 +38326,13 @@
 </p:tagLst>
 </file>
 
-<file path=ppt/tags/tag65.xml><?xml version="1.0" encoding="utf-8"?>
+<file path=ppt/tags/tag64.xml><?xml version="1.0" encoding="utf-8"?>
 <p:tagLst xmlns:a="http://schemas.openxmlformats.org/drawingml/2006/main" xmlns:r="http://schemas.openxmlformats.org/officeDocument/2006/relationships" xmlns:p="http://schemas.openxmlformats.org/presentationml/2006/main">
   <p:tag name="TIMING" val="|14.6"/>
 </p:tagLst>
 </file>
 
-<file path=ppt/tags/tag66.xml><?xml version="1.0" encoding="utf-8"?>
+<file path=ppt/tags/tag65.xml><?xml version="1.0" encoding="utf-8"?>
 <p:tagLst xmlns:a="http://schemas.openxmlformats.org/drawingml/2006/main" xmlns:r="http://schemas.openxmlformats.org/officeDocument/2006/relationships" xmlns:p="http://schemas.openxmlformats.org/presentationml/2006/main">
   <p:tag name="OUTPUTDPI" val="1200"/>
   <p:tag name="ORIGINALHEIGHT" val="111.9327"/>
@@ -38331,7 +38351,7 @@
 </p:tagLst>
 </file>
 
-<file path=ppt/tags/tag67.xml><?xml version="1.0" encoding="utf-8"?>
+<file path=ppt/tags/tag66.xml><?xml version="1.0" encoding="utf-8"?>
 <p:tagLst xmlns:a="http://schemas.openxmlformats.org/drawingml/2006/main" xmlns:r="http://schemas.openxmlformats.org/officeDocument/2006/relationships" xmlns:p="http://schemas.openxmlformats.org/presentationml/2006/main">
   <p:tag name="OUTPUTDPI" val="1200"/>
   <p:tag name="ORIGINALHEIGHT" val="56.24299"/>
@@ -38350,7 +38370,7 @@
 </p:tagLst>
 </file>
 
-<file path=ppt/tags/tag68.xml><?xml version="1.0" encoding="utf-8"?>
+<file path=ppt/tags/tag67.xml><?xml version="1.0" encoding="utf-8"?>
 <p:tagLst xmlns:a="http://schemas.openxmlformats.org/drawingml/2006/main" xmlns:r="http://schemas.openxmlformats.org/officeDocument/2006/relationships" xmlns:p="http://schemas.openxmlformats.org/presentationml/2006/main">
   <p:tag name="OUTPUTDPI" val="1200"/>
   <p:tag name="ORIGINALHEIGHT" val="103.4871"/>
@@ -38369,7 +38389,7 @@
 </p:tagLst>
 </file>
 
-<file path=ppt/tags/tag69.xml><?xml version="1.0" encoding="utf-8"?>
+<file path=ppt/tags/tag68.xml><?xml version="1.0" encoding="utf-8"?>
 <p:tagLst xmlns:a="http://schemas.openxmlformats.org/drawingml/2006/main" xmlns:r="http://schemas.openxmlformats.org/officeDocument/2006/relationships" xmlns:p="http://schemas.openxmlformats.org/presentationml/2006/main">
   <p:tag name="OUTPUTDPI" val="1200"/>
   <p:tag name="ORIGINALHEIGHT" val="164.2294"/>
@@ -38388,39 +38408,20 @@
 </p:tagLst>
 </file>
 
-<file path=ppt/tags/tag7.xml><?xml version="1.0" encoding="utf-8"?>
-<p:tagLst xmlns:a="http://schemas.openxmlformats.org/drawingml/2006/main" xmlns:r="http://schemas.openxmlformats.org/officeDocument/2006/relationships" xmlns:p="http://schemas.openxmlformats.org/presentationml/2006/main">
-  <p:tag name="OUTPUTDPI" val="1200"/>
-  <p:tag name="ORIGINALHEIGHT" val="114.7357"/>
-  <p:tag name="ORIGINALWIDTH" val="637.4203"/>
-  <p:tag name="LATEXADDIN" val="\documentclass{article}&#10;\usepackage{amsmath}&#10;\pagestyle{empty}&#10;\usepackage{bm}&#10;\begin{document}&#10;&#10;&#10;$\bm{p}_{t+1} = \bm{p}_t \bm{P}$&#10;&#10;\end{document}"/>
-  <p:tag name="IGUANATEXSIZE" val="20"/>
-  <p:tag name="IGUANATEXCURSOR" val="130"/>
-  <p:tag name="TRANSPARENCY" val="True"/>
-  <p:tag name="FILENAME" val=""/>
-  <p:tag name="LATEXENGINEID" val="0"/>
-  <p:tag name="TEMPFOLDER" val="c:\temp\"/>
-  <p:tag name="LATEXFORMHEIGHT" val="312"/>
-  <p:tag name="LATEXFORMWIDTH" val="380"/>
-  <p:tag name="LATEXFORMWRAP" val="True"/>
-  <p:tag name="BITMAPVECTOR" val="0"/>
-</p:tagLst>
-</file>
-
-<file path=ppt/tags/tag70.xml><?xml version="1.0" encoding="utf-8"?>
+<file path=ppt/tags/tag69.xml><?xml version="1.0" encoding="utf-8"?>
 <p:tagLst xmlns:a="http://schemas.openxmlformats.org/drawingml/2006/main" xmlns:r="http://schemas.openxmlformats.org/officeDocument/2006/relationships" xmlns:p="http://schemas.openxmlformats.org/presentationml/2006/main">
   <p:tag name="TIMING" val="|14.6"/>
 </p:tagLst>
 </file>
 
-<file path=ppt/tags/tag71.xml><?xml version="1.0" encoding="utf-8"?>
+<file path=ppt/tags/tag7.xml><?xml version="1.0" encoding="utf-8"?>
 <p:tagLst xmlns:a="http://schemas.openxmlformats.org/drawingml/2006/main" xmlns:r="http://schemas.openxmlformats.org/officeDocument/2006/relationships" xmlns:p="http://schemas.openxmlformats.org/presentationml/2006/main">
   <p:tag name="OUTPUTDPI" val="1200"/>
-  <p:tag name="ORIGINALHEIGHT" val="156.7712"/>
-  <p:tag name="ORIGINALWIDTH" val="720.3619"/>
-  <p:tag name="LATEXADDIN" val="\documentclass{article}&#10;\usepackage{amsmath}&#10;\pagestyle{empty}&#10;\usepackage{amssymb}&#10;\usepackage{amsthm}&#10;\usepackage{bm}&#10;\usepackage{dsfont}&#10;\newtheorem*{mythm*}{Theorem}&#10;\newtheorem*{mylem*}{Lemma}&#10;\newtheorem*{mycor*}{Corollary}&#10;\begin{document}&#10;&#10;\begin{mythm*}&#10;The probability that a random walk starting at node $i$ visits $j$ before returning to $i$, which equals $\mathrm{ep}(i\rightarrow j)$, satisfies&#10;\[&#10;\mathrm{ep}(i\rightarrow j)c(i,j) = \frac{1}{\pi_i},&#10;\]&#10;where $c(i,j)$ is the commute time between $i$ and $j$.&#10;\end{mythm*}&#10;&#10;&#10;\end{document}"/>
+  <p:tag name="ORIGINALHEIGHT" val="137.9828"/>
+  <p:tag name="ORIGINALWIDTH" val="1895.013"/>
+  <p:tag name="LATEXADDIN" val="\documentclass{article}&#10;\usepackage{amsmath}&#10;\usepackage{bm}&#10;\usepackage{amssymb}&#10;\pagestyle{empty}&#10;\begin{document}&#10;&#10;$\bm{p(t)} \triangleq \mathrm{probability\ vector\ at\ time}\ t$&#10;&#10;&#10;\end{document}"/>
   <p:tag name="IGUANATEXSIZE" val="20"/>
-  <p:tag name="IGUANATEXCURSOR" val="62"/>
+  <p:tag name="IGUANATEXCURSOR" val="127"/>
   <p:tag name="TRANSPARENCY" val="True"/>
   <p:tag name="FILENAME" val=""/>
   <p:tag name="LATEXENGINEID" val="0"/>
@@ -38432,7 +38433,7 @@
 </p:tagLst>
 </file>
 
-<file path=ppt/tags/tag72.xml><?xml version="1.0" encoding="utf-8"?>
+<file path=ppt/tags/tag70.xml><?xml version="1.0" encoding="utf-8"?>
 <p:tagLst xmlns:a="http://schemas.openxmlformats.org/drawingml/2006/main" xmlns:r="http://schemas.openxmlformats.org/officeDocument/2006/relationships" xmlns:p="http://schemas.openxmlformats.org/presentationml/2006/main">
   <p:tag name="OUTPUTDPI" val="1200"/>
   <p:tag name="ORIGINALHEIGHT" val="163.4795"/>
@@ -38451,7 +38452,7 @@
 </p:tagLst>
 </file>
 
-<file path=ppt/tags/tag73.xml><?xml version="1.0" encoding="utf-8"?>
+<file path=ppt/tags/tag71.xml><?xml version="1.0" encoding="utf-8"?>
 <p:tagLst xmlns:a="http://schemas.openxmlformats.org/drawingml/2006/main" xmlns:r="http://schemas.openxmlformats.org/officeDocument/2006/relationships" xmlns:p="http://schemas.openxmlformats.org/presentationml/2006/main">
   <p:tag name="OUTPUTDPI" val="1200"/>
   <p:tag name="ORIGINALHEIGHT" val="123.7346"/>
@@ -38470,7 +38471,7 @@
 </p:tagLst>
 </file>
 
-<file path=ppt/tags/tag74.xml><?xml version="1.0" encoding="utf-8"?>
+<file path=ppt/tags/tag72.xml><?xml version="1.0" encoding="utf-8"?>
 <p:tagLst xmlns:a="http://schemas.openxmlformats.org/drawingml/2006/main" xmlns:r="http://schemas.openxmlformats.org/officeDocument/2006/relationships" xmlns:p="http://schemas.openxmlformats.org/presentationml/2006/main">
   <p:tag name="OUTPUTDPI" val="1200"/>
   <p:tag name="ORIGINALHEIGHT" val="137.9828"/>
@@ -38489,7 +38490,7 @@
 </p:tagLst>
 </file>
 
-<file path=ppt/tags/tag75.xml><?xml version="1.0" encoding="utf-8"?>
+<file path=ppt/tags/tag73.xml><?xml version="1.0" encoding="utf-8"?>
 <p:tagLst xmlns:a="http://schemas.openxmlformats.org/drawingml/2006/main" xmlns:r="http://schemas.openxmlformats.org/officeDocument/2006/relationships" xmlns:p="http://schemas.openxmlformats.org/presentationml/2006/main">
   <p:tag name="OUTPUTDPI" val="1200"/>
   <p:tag name="ORIGINALHEIGHT" val="123.7346"/>
@@ -38508,7 +38509,7 @@
 </p:tagLst>
 </file>
 
-<file path=ppt/tags/tag76.xml><?xml version="1.0" encoding="utf-8"?>
+<file path=ppt/tags/tag74.xml><?xml version="1.0" encoding="utf-8"?>
 <p:tagLst xmlns:a="http://schemas.openxmlformats.org/drawingml/2006/main" xmlns:r="http://schemas.openxmlformats.org/officeDocument/2006/relationships" xmlns:p="http://schemas.openxmlformats.org/presentationml/2006/main">
   <p:tag name="OUTPUTDPI" val="1200"/>
   <p:tag name="ORIGINALHEIGHT" val="163.4795"/>
@@ -38527,20 +38528,14 @@
 </p:tagLst>
 </file>
 
-<file path=ppt/tags/tag77.xml><?xml version="1.0" encoding="utf-8"?>
-<p:tagLst xmlns:a="http://schemas.openxmlformats.org/drawingml/2006/main" xmlns:r="http://schemas.openxmlformats.org/officeDocument/2006/relationships" xmlns:p="http://schemas.openxmlformats.org/presentationml/2006/main">
-  <p:tag name="TIMING" val="|14.6"/>
-</p:tagLst>
-</file>
-
-<file path=ppt/tags/tag78.xml><?xml version="1.0" encoding="utf-8"?>
+<file path=ppt/tags/tag75.xml><?xml version="1.0" encoding="utf-8"?>
 <p:tagLst xmlns:a="http://schemas.openxmlformats.org/drawingml/2006/main" xmlns:r="http://schemas.openxmlformats.org/officeDocument/2006/relationships" xmlns:p="http://schemas.openxmlformats.org/presentationml/2006/main">
   <p:tag name="OUTPUTDPI" val="1200"/>
   <p:tag name="ORIGINALHEIGHT" val="156.7712"/>
   <p:tag name="ORIGINALWIDTH" val="720.3619"/>
-  <p:tag name="LATEXADDIN" val="\documentclass{article}&#10;\usepackage{amsmath}&#10;\pagestyle{empty}&#10;\usepackage{amssymb}&#10;\usepackage{amsthm}&#10;\usepackage{bm}&#10;\usepackage{dsfont}&#10;\newtheorem*{mythm*}{Theorem}&#10;\newtheorem*{mylem*}{Lemma}&#10;\newtheorem*{mycor*}{Corollary}&#10;\begin{document}&#10;&#10;\begin{mythm*}&#10;The probability that a random walk starting at node $i$ visits $j$ before returning to $i$, which equals $\mathrm{ep}(i\rightarrow j)$, satisfies&#10;\[&#10;\mathrm{ep}(i\rightarrow j)c(i,j) = \frac{1}{\pi_i},&#10;\]&#10;where $c(i,j)$ is the commute time between $i$ and $j$.&#10;\end{mythm*}&#10;&#10;&#10;\end{document}"/>
+  <p:tag name="LATEXADDIN" val="\documentclass{article}&#10;\usepackage{amsmath}&#10;\pagestyle{empty}&#10;\usepackage{amssymb}&#10;\usepackage{amsthm}&#10;\usepackage{bm}&#10;\usepackage{dsfont}&#10;\newtheorem*{mythm*}{Theorem}&#10;\newtheorem*{mylem*}{Lemma}&#10;\newtheorem*{mycor*}{Corollary}&#10;\begin{document}&#10;&#10;\begin{mythm*}&#10;The probability that a random walk starting at node $i$ visits $j$ before returning to $i$, which is precisely $\mathrm{ep}(i\rightarrow j)$, satisfies&#10;\[&#10;\mathrm{ep}(i\rightarrow j)c(i,j) = \frac{1}{\pi_i},&#10;\]&#10;where $c(i,j)$ is the commute time between $i$ and $j$.&#10;\end{mythm*}&#10;&#10;&#10;\end{document}"/>
   <p:tag name="IGUANATEXSIZE" val="20"/>
-  <p:tag name="IGUANATEXCURSOR" val="62"/>
+  <p:tag name="IGUANATEXCURSOR" val="373"/>
   <p:tag name="TRANSPARENCY" val="True"/>
   <p:tag name="FILENAME" val=""/>
   <p:tag name="LATEXENGINEID" val="0"/>
@@ -38552,7 +38547,13 @@
 </p:tagLst>
 </file>
 
-<file path=ppt/tags/tag79.xml><?xml version="1.0" encoding="utf-8"?>
+<file path=ppt/tags/tag76.xml><?xml version="1.0" encoding="utf-8"?>
+<p:tagLst xmlns:a="http://schemas.openxmlformats.org/drawingml/2006/main" xmlns:r="http://schemas.openxmlformats.org/officeDocument/2006/relationships" xmlns:p="http://schemas.openxmlformats.org/presentationml/2006/main">
+  <p:tag name="TIMING" val="|14.6"/>
+</p:tagLst>
+</file>
+
+<file path=ppt/tags/tag77.xml><?xml version="1.0" encoding="utf-8"?>
 <p:tagLst xmlns:a="http://schemas.openxmlformats.org/drawingml/2006/main" xmlns:r="http://schemas.openxmlformats.org/officeDocument/2006/relationships" xmlns:p="http://schemas.openxmlformats.org/presentationml/2006/main">
   <p:tag name="OUTPUTDPI" val="1200"/>
   <p:tag name="ORIGINALHEIGHT" val="224.222"/>
@@ -38571,26 +38572,7 @@
 </p:tagLst>
 </file>
 
-<file path=ppt/tags/tag8.xml><?xml version="1.0" encoding="utf-8"?>
-<p:tagLst xmlns:a="http://schemas.openxmlformats.org/drawingml/2006/main" xmlns:r="http://schemas.openxmlformats.org/officeDocument/2006/relationships" xmlns:p="http://schemas.openxmlformats.org/presentationml/2006/main">
-  <p:tag name="OUTPUTDPI" val="1200"/>
-  <p:tag name="ORIGINALHEIGHT" val="123.7346"/>
-  <p:tag name="ORIGINALWIDTH" val="641.9197"/>
-  <p:tag name="LATEXADDIN" val="\documentclass{article}&#10;\usepackage{amsmath}&#10;\usepackage{bm}&#10;\pagestyle{empty}&#10;\begin{document}&#10;&#10;&#10;$\bm{P} = \left[p(i,j)\right]$&#10;&#10;\end{document}"/>
-  <p:tag name="IGUANATEXSIZE" val="22"/>
-  <p:tag name="IGUANATEXCURSOR" val="144"/>
-  <p:tag name="TRANSPARENCY" val="True"/>
-  <p:tag name="FILENAME" val=""/>
-  <p:tag name="LATEXENGINEID" val="0"/>
-  <p:tag name="TEMPFOLDER" val="c:\temp\"/>
-  <p:tag name="LATEXFORMHEIGHT" val="312"/>
-  <p:tag name="LATEXFORMWIDTH" val="380"/>
-  <p:tag name="LATEXFORMWRAP" val="True"/>
-  <p:tag name="BITMAPVECTOR" val="0"/>
-</p:tagLst>
-</file>
-
-<file path=ppt/tags/tag80.xml><?xml version="1.0" encoding="utf-8"?>
+<file path=ppt/tags/tag78.xml><?xml version="1.0" encoding="utf-8"?>
 <p:tagLst xmlns:a="http://schemas.openxmlformats.org/drawingml/2006/main" xmlns:r="http://schemas.openxmlformats.org/officeDocument/2006/relationships" xmlns:p="http://schemas.openxmlformats.org/presentationml/2006/main">
   <p:tag name="OUTPUTDPI" val="1200"/>
   <p:tag name="ORIGINALHEIGHT" val="123.7346"/>
@@ -38609,7 +38591,7 @@
 </p:tagLst>
 </file>
 
-<file path=ppt/tags/tag81.xml><?xml version="1.0" encoding="utf-8"?>
+<file path=ppt/tags/tag79.xml><?xml version="1.0" encoding="utf-8"?>
 <p:tagLst xmlns:a="http://schemas.openxmlformats.org/drawingml/2006/main" xmlns:r="http://schemas.openxmlformats.org/officeDocument/2006/relationships" xmlns:p="http://schemas.openxmlformats.org/presentationml/2006/main">
   <p:tag name="OUTPUTDPI" val="1200"/>
   <p:tag name="ORIGINALHEIGHT" val="89.98874"/>
@@ -38617,6 +38599,44 @@
   <p:tag name="LATEXADDIN" val="\documentclass{article}&#10;\usepackage{amsmath}&#10;\pagestyle{empty}&#10;\begin{document}&#10;&#10;$\pi_j$&#10;&#10;&#10;\end{document}"/>
   <p:tag name="IGUANATEXSIZE" val="22"/>
   <p:tag name="IGUANATEXCURSOR" val="88"/>
+  <p:tag name="TRANSPARENCY" val="True"/>
+  <p:tag name="FILENAME" val=""/>
+  <p:tag name="LATEXENGINEID" val="0"/>
+  <p:tag name="TEMPFOLDER" val="c:\temp\"/>
+  <p:tag name="LATEXFORMHEIGHT" val="312"/>
+  <p:tag name="LATEXFORMWIDTH" val="384"/>
+  <p:tag name="LATEXFORMWRAP" val="True"/>
+  <p:tag name="BITMAPVECTOR" val="0"/>
+</p:tagLst>
+</file>
+
+<file path=ppt/tags/tag8.xml><?xml version="1.0" encoding="utf-8"?>
+<p:tagLst xmlns:a="http://schemas.openxmlformats.org/drawingml/2006/main" xmlns:r="http://schemas.openxmlformats.org/officeDocument/2006/relationships" xmlns:p="http://schemas.openxmlformats.org/presentationml/2006/main">
+  <p:tag name="OUTPUTDPI" val="1200"/>
+  <p:tag name="ORIGINALHEIGHT" val="124.4844"/>
+  <p:tag name="ORIGINALWIDTH" val="987.6265"/>
+  <p:tag name="LATEXADDIN" val="\documentclass{article}&#10;\usepackage{amsmath}&#10;\pagestyle{empty}&#10;\usepackage{bm}&#10;\begin{document}&#10;&#10;&#10;$\bm{p(t+1)} = \bm{p(t)} \bm{P}$&#10;&#10;\end{document}"/>
+  <p:tag name="IGUANATEXSIZE" val="20"/>
+  <p:tag name="IGUANATEXCURSOR" val="109"/>
+  <p:tag name="TRANSPARENCY" val="True"/>
+  <p:tag name="FILENAME" val=""/>
+  <p:tag name="LATEXENGINEID" val="0"/>
+  <p:tag name="TEMPFOLDER" val="c:\temp\"/>
+  <p:tag name="LATEXFORMHEIGHT" val="312"/>
+  <p:tag name="LATEXFORMWIDTH" val="380"/>
+  <p:tag name="LATEXFORMWRAP" val="True"/>
+  <p:tag name="BITMAPVECTOR" val="0"/>
+</p:tagLst>
+</file>
+
+<file path=ppt/tags/tag80.xml><?xml version="1.0" encoding="utf-8"?>
+<p:tagLst xmlns:a="http://schemas.openxmlformats.org/drawingml/2006/main" xmlns:r="http://schemas.openxmlformats.org/officeDocument/2006/relationships" xmlns:p="http://schemas.openxmlformats.org/presentationml/2006/main">
+  <p:tag name="OUTPUTDPI" val="1200"/>
+  <p:tag name="ORIGINALHEIGHT" val="156.7712"/>
+  <p:tag name="ORIGINALWIDTH" val="720.3619"/>
+  <p:tag name="LATEXADDIN" val="\documentclass{article}&#10;\usepackage{amsmath}&#10;\pagestyle{empty}&#10;\usepackage{amssymb}&#10;\usepackage{amsthm}&#10;\usepackage{bm}&#10;\usepackage{dsfont}&#10;\newtheorem*{mythm*}{Theorem}&#10;\newtheorem*{mylem*}{Lemma}&#10;\newtheorem*{mycor*}{Corollary}&#10;\begin{document}&#10;&#10;\begin{mythm*}&#10;The probability that a random walk starting at node $i$ visits $j$ before returning to $i$, which is precisely $\mathrm{ep}(i\rightarrow j)$, satisfies&#10;\[&#10;\mathrm{ep}(i\rightarrow j)c(i,j) = \frac{1}{\pi_i},&#10;\]&#10;where $c(i,j)$ is the commute time between $i$ and $j$.&#10;\end{mythm*}&#10;&#10;&#10;\end{document}"/>
+  <p:tag name="IGUANATEXSIZE" val="20"/>
+  <p:tag name="IGUANATEXCURSOR" val="373"/>
   <p:tag name="TRANSPARENCY" val="True"/>
   <p:tag name="FILENAME" val=""/>
   <p:tag name="LATEXENGINEID" val="0"/>

--- a/rw-pdf.pptx
+++ b/rw-pdf.pptx
@@ -7275,7 +7275,7 @@
           <a:graphicData uri="http://schemas.openxmlformats.org/presentationml/2006/ole">
             <mc:AlternateContent xmlns:mc="http://schemas.openxmlformats.org/markup-compatibility/2006">
               <mc:Choice xmlns:v="urn:schemas-microsoft-com:vml" Requires="v">
-                <p:oleObj spid="_x0000_s28844" name="Visio" r:id="rId6" imgW="5289194" imgH="2914802" progId="Visio.Drawing.11">
+                <p:oleObj spid="_x0000_s28870" name="Visio" r:id="rId6" imgW="5289194" imgH="2914802" progId="Visio.Drawing.11">
                   <p:embed/>
                 </p:oleObj>
               </mc:Choice>
@@ -7479,7 +7479,7 @@
           <a:graphicData uri="http://schemas.openxmlformats.org/presentationml/2006/ole">
             <mc:AlternateContent xmlns:mc="http://schemas.openxmlformats.org/markup-compatibility/2006">
               <mc:Choice xmlns:v="urn:schemas-microsoft-com:vml" Requires="v">
-                <p:oleObj spid="_x0000_s30314" name="Visio" r:id="rId9" imgW="5289194" imgH="1988515" progId="Visio.Drawing.11">
+                <p:oleObj spid="_x0000_s30418" name="Visio" r:id="rId9" imgW="5289194" imgH="1988515" progId="Visio.Drawing.11">
                   <p:embed/>
                 </p:oleObj>
               </mc:Choice>
@@ -7581,7 +7581,7 @@
           <a:graphicData uri="http://schemas.openxmlformats.org/presentationml/2006/ole">
             <mc:AlternateContent xmlns:mc="http://schemas.openxmlformats.org/markup-compatibility/2006">
               <mc:Choice xmlns:v="urn:schemas-microsoft-com:vml" Requires="v">
-                <p:oleObj spid="_x0000_s30315" name="Visio" r:id="rId11" imgW="5289194" imgH="2888590" progId="Visio.Drawing.11">
+                <p:oleObj spid="_x0000_s30419" name="Visio" r:id="rId11" imgW="5289194" imgH="2888590" progId="Visio.Drawing.11">
                   <p:embed/>
                 </p:oleObj>
               </mc:Choice>
@@ -7682,7 +7682,7 @@
           <a:graphicData uri="http://schemas.openxmlformats.org/presentationml/2006/ole">
             <mc:AlternateContent xmlns:mc="http://schemas.openxmlformats.org/markup-compatibility/2006">
               <mc:Choice xmlns:v="urn:schemas-microsoft-com:vml" Requires="v">
-                <p:oleObj spid="_x0000_s30316" name="Visio" r:id="rId13" imgW="5186172" imgH="754685" progId="Visio.Drawing.11">
+                <p:oleObj spid="_x0000_s30420" name="Visio" r:id="rId13" imgW="5186172" imgH="754685" progId="Visio.Drawing.11">
                   <p:embed/>
                 </p:oleObj>
               </mc:Choice>
@@ -7783,7 +7783,7 @@
           <a:graphicData uri="http://schemas.openxmlformats.org/presentationml/2006/ole">
             <mc:AlternateContent xmlns:mc="http://schemas.openxmlformats.org/markup-compatibility/2006">
               <mc:Choice xmlns:v="urn:schemas-microsoft-com:vml" Requires="v">
-                <p:oleObj spid="_x0000_s30317" name="Visio" r:id="rId15" imgW="5186172" imgH="1870558" progId="Visio.Drawing.11">
+                <p:oleObj spid="_x0000_s30421" name="Visio" r:id="rId15" imgW="5186172" imgH="1870558" progId="Visio.Drawing.11">
                   <p:embed/>
                 </p:oleObj>
               </mc:Choice>
@@ -7978,7 +7978,12 @@
             <p:ph type="title"/>
           </p:nvPr>
         </p:nvSpPr>
-        <p:spPr/>
+        <p:spPr>
+          <a:xfrm>
+            <a:off x="457200" y="307975"/>
+            <a:ext cx="8229600" cy="1139825"/>
+          </a:xfrm>
+        </p:spPr>
         <p:txBody>
           <a:bodyPr/>
           <a:lstStyle/>
@@ -8780,7 +8785,7 @@
           <a:graphicData uri="http://schemas.openxmlformats.org/presentationml/2006/ole">
             <mc:AlternateContent xmlns:mc="http://schemas.openxmlformats.org/markup-compatibility/2006">
               <mc:Choice xmlns:v="urn:schemas-microsoft-com:vml" Requires="v">
-                <p:oleObj spid="_x0000_s30912" name="Visio" r:id="rId7" imgW="5038954" imgH="751637" progId="Visio.Drawing.11">
+                <p:oleObj spid="_x0000_s30964" name="Visio" r:id="rId7" imgW="5038954" imgH="751637" progId="Visio.Drawing.11">
                   <p:embed/>
                 </p:oleObj>
               </mc:Choice>
@@ -8935,7 +8940,7 @@
           <a:graphicData uri="http://schemas.openxmlformats.org/presentationml/2006/ole">
             <mc:AlternateContent xmlns:mc="http://schemas.openxmlformats.org/markup-compatibility/2006">
               <mc:Choice xmlns:v="urn:schemas-microsoft-com:vml" Requires="v">
-                <p:oleObj spid="_x0000_s30913" name="Visio" r:id="rId9" imgW="5038954" imgH="1130503" progId="Visio.Drawing.11">
+                <p:oleObj spid="_x0000_s30965" name="Visio" r:id="rId9" imgW="5038954" imgH="1130503" progId="Visio.Drawing.11">
                   <p:embed/>
                 </p:oleObj>
               </mc:Choice>
@@ -9925,7 +9930,7 @@
       </p:pic>
       <p:pic>
         <p:nvPicPr>
-          <p:cNvPr id="28" name="图片 27"/>
+          <p:cNvPr id="28" name="Picture 27 1"/>
           <p:cNvPicPr>
             <a:picLocks noChangeAspect="1"/>
           </p:cNvPicPr>
@@ -10116,7 +10121,7 @@
       </p:sp>
       <p:pic>
         <p:nvPicPr>
-          <p:cNvPr id="20" name="Picture 27"/>
+          <p:cNvPr id="20" name="Picture 27 2"/>
           <p:cNvPicPr>
             <a:picLocks noChangeAspect="1"/>
           </p:cNvPicPr>
@@ -10320,7 +10325,7 @@
       </p:pic>
       <p:pic>
         <p:nvPicPr>
-          <p:cNvPr id="26" name="图片 25"/>
+          <p:cNvPr id="30" name="图片 29"/>
           <p:cNvPicPr>
             <a:picLocks noChangeAspect="1"/>
           </p:cNvPicPr>
@@ -10345,7 +10350,7 @@
         <p:spPr>
           <a:xfrm>
             <a:off x="1143000" y="1548419"/>
-            <a:ext cx="6171428" cy="280381"/>
+            <a:ext cx="4449524" cy="280381"/>
           </a:xfrm>
           <a:prstGeom prst="rect">
             <a:avLst/>
@@ -10545,15 +10550,7 @@
                 <a:ea typeface="Open Sans" panose="020B0606030504020204" pitchFamily="34" charset="0"/>
                 <a:cs typeface="Open Sans" panose="020B0606030504020204" pitchFamily="34" charset="0"/>
               </a:rPr>
-              <a:t>Fast solution for </a:t>
-            </a:r>
-            <a:r>
-              <a:rPr lang="en-US" altLang="en-US" sz="3200" b="1" dirty="0">
-                <a:latin typeface="Open Sans" panose="020B0606030504020204" pitchFamily="34" charset="0"/>
-                <a:ea typeface="Open Sans" panose="020B0606030504020204" pitchFamily="34" charset="0"/>
-                <a:cs typeface="Open Sans" panose="020B0606030504020204" pitchFamily="34" charset="0"/>
-              </a:rPr>
-              <a:t>all</a:t>
+              <a:t>Fast </a:t>
             </a:r>
             <a:r>
               <a:rPr lang="en-US" altLang="en-US" sz="3200" b="1" dirty="0" smtClean="0">
@@ -10561,7 +10558,7 @@
                 <a:ea typeface="Open Sans" panose="020B0606030504020204" pitchFamily="34" charset="0"/>
                 <a:cs typeface="Open Sans" panose="020B0606030504020204" pitchFamily="34" charset="0"/>
               </a:rPr>
-              <a:t>-pair proximities</a:t>
+              <a:t>all-pair proximities</a:t>
             </a:r>
             <a:endParaRPr lang="en-US" altLang="en-US" sz="3200" b="1" dirty="0">
               <a:latin typeface="Open Sans" panose="020B0606030504020204" pitchFamily="34" charset="0"/>
@@ -10880,14 +10877,6 @@
               <a:t>Fast </a:t>
             </a:r>
             <a:r>
-              <a:rPr lang="en-US" sz="2400" dirty="0">
-                <a:latin typeface="Open Sans" panose="020B0606030504020204" pitchFamily="34" charset="0"/>
-                <a:ea typeface="Open Sans" panose="020B0606030504020204" pitchFamily="34" charset="0"/>
-                <a:cs typeface="Open Sans" panose="020B0606030504020204" pitchFamily="34" charset="0"/>
-              </a:rPr>
-              <a:t>solution to </a:t>
-            </a:r>
-            <a:r>
               <a:rPr lang="en-US" sz="2400" dirty="0" smtClean="0">
                 <a:latin typeface="Open Sans" panose="020B0606030504020204" pitchFamily="34" charset="0"/>
                 <a:ea typeface="Open Sans" panose="020B0606030504020204" pitchFamily="34" charset="0"/>
@@ -10896,12 +10885,12 @@
               <a:t>all-pair </a:t>
             </a:r>
             <a:r>
-              <a:rPr lang="en-US" altLang="zh-CN" sz="2400" dirty="0" err="1" smtClean="0">
+              <a:rPr lang="en-US" altLang="zh-CN" sz="2400" dirty="0" smtClean="0">
                 <a:latin typeface="Open Sans" panose="020B0606030504020204" pitchFamily="34" charset="0"/>
                 <a:ea typeface="Open Sans" panose="020B0606030504020204" pitchFamily="34" charset="0"/>
                 <a:cs typeface="Open Sans" panose="020B0606030504020204" pitchFamily="34" charset="0"/>
               </a:rPr>
-              <a:t>proximilities</a:t>
+              <a:t>proximities</a:t>
             </a:r>
             <a:endParaRPr lang="en-US" altLang="zh-CN" sz="2400" dirty="0" smtClean="0">
               <a:latin typeface="Open Sans" panose="020B0606030504020204" pitchFamily="34" charset="0"/>
@@ -10928,7 +10917,23 @@
                 <a:ea typeface="Open Sans" panose="020B0606030504020204" pitchFamily="34" charset="0"/>
                 <a:cs typeface="Open Sans" panose="020B0606030504020204" pitchFamily="34" charset="0"/>
               </a:rPr>
-              <a:t>For all pair of nodes, compute  </a:t>
+              <a:t>For </a:t>
+            </a:r>
+            <a:r>
+              <a:rPr lang="en-US" sz="2000" dirty="0" smtClean="0">
+                <a:latin typeface="Open Sans" panose="020B0606030504020204" pitchFamily="34" charset="0"/>
+                <a:ea typeface="Open Sans" panose="020B0606030504020204" pitchFamily="34" charset="0"/>
+                <a:cs typeface="Open Sans" panose="020B0606030504020204" pitchFamily="34" charset="0"/>
+              </a:rPr>
+              <a:t>all pairs </a:t>
+            </a:r>
+            <a:r>
+              <a:rPr lang="en-US" sz="2000" dirty="0" smtClean="0">
+                <a:latin typeface="Open Sans" panose="020B0606030504020204" pitchFamily="34" charset="0"/>
+                <a:ea typeface="Open Sans" panose="020B0606030504020204" pitchFamily="34" charset="0"/>
+                <a:cs typeface="Open Sans" panose="020B0606030504020204" pitchFamily="34" charset="0"/>
+              </a:rPr>
+              <a:t>of nodes, compute  </a:t>
             </a:r>
           </a:p>
           <a:p>
@@ -11050,7 +11055,7 @@
         </p:blipFill>
         <p:spPr>
           <a:xfrm>
-            <a:off x="4724400" y="4876800"/>
+            <a:off x="4839134" y="4876800"/>
             <a:ext cx="3466666" cy="388571"/>
           </a:xfrm>
           <a:prstGeom prst="rect">
@@ -11159,7 +11164,23 @@
                 <a:ea typeface="Open Sans" panose="020B0606030504020204" pitchFamily="34" charset="0"/>
                 <a:cs typeface="Open Sans" panose="020B0606030504020204" pitchFamily="34" charset="0"/>
               </a:rPr>
-              <a:t>Fast solution for one-pair proximity</a:t>
+              <a:t>Fast </a:t>
+            </a:r>
+            <a:r>
+              <a:rPr lang="en-US" altLang="en-US" sz="3200" b="1" dirty="0" smtClean="0">
+                <a:latin typeface="Open Sans" panose="020B0606030504020204" pitchFamily="34" charset="0"/>
+                <a:ea typeface="Open Sans" panose="020B0606030504020204" pitchFamily="34" charset="0"/>
+                <a:cs typeface="Open Sans" panose="020B0606030504020204" pitchFamily="34" charset="0"/>
+              </a:rPr>
+              <a:t>one-pair </a:t>
+            </a:r>
+            <a:r>
+              <a:rPr lang="en-US" altLang="en-US" sz="3200" b="1" dirty="0" smtClean="0">
+                <a:latin typeface="Open Sans" panose="020B0606030504020204" pitchFamily="34" charset="0"/>
+                <a:ea typeface="Open Sans" panose="020B0606030504020204" pitchFamily="34" charset="0"/>
+                <a:cs typeface="Open Sans" panose="020B0606030504020204" pitchFamily="34" charset="0"/>
+              </a:rPr>
+              <a:t>proximity</a:t>
             </a:r>
             <a:endParaRPr lang="en-US" altLang="en-US" sz="3200" b="1" dirty="0">
               <a:latin typeface="Open Sans" panose="020B0606030504020204" pitchFamily="34" charset="0"/>
@@ -11461,15 +11482,7 @@
               <a:t>Fast </a:t>
             </a:r>
             <a:r>
-              <a:rPr lang="en-US" sz="2400" dirty="0">
-                <a:latin typeface="Open Sans" panose="020B0606030504020204" pitchFamily="34" charset="0"/>
-                <a:ea typeface="Open Sans" panose="020B0606030504020204" pitchFamily="34" charset="0"/>
-                <a:cs typeface="Open Sans" panose="020B0606030504020204" pitchFamily="34" charset="0"/>
-              </a:rPr>
-              <a:t>solution to </a:t>
-            </a:r>
-            <a:r>
-              <a:rPr lang="en-US" altLang="zh-CN" sz="2400" dirty="0">
+              <a:rPr lang="en-US" altLang="zh-CN" sz="2400" dirty="0" smtClean="0">
                 <a:latin typeface="Open Sans" panose="020B0606030504020204" pitchFamily="34" charset="0"/>
                 <a:ea typeface="Open Sans" panose="020B0606030504020204" pitchFamily="34" charset="0"/>
                 <a:cs typeface="Open Sans" panose="020B0606030504020204" pitchFamily="34" charset="0"/>
@@ -21117,7 +21130,7 @@
               <a:t>Q: Given a pair of nodes </a:t>
             </a:r>
             <a:r>
-              <a:rPr lang="en-US" altLang="en-US" sz="2200" i="1" kern="0" dirty="0" err="1" smtClean="0">
+              <a:rPr lang="en-US" altLang="en-US" sz="2200" i="1" kern="0" dirty="0" smtClean="0">
                 <a:latin typeface="Open Sans" charset="0"/>
                 <a:ea typeface="Open Sans" charset="0"/>
                 <a:cs typeface="Open Sans" charset="0"/>
@@ -21146,7 +21159,15 @@
                 <a:ea typeface="Open Sans" charset="0"/>
                 <a:cs typeface="Open Sans" charset="0"/>
               </a:rPr>
-              <a:t>, is there a link between them?</a:t>
+              <a:t>, </a:t>
+            </a:r>
+            <a:r>
+              <a:rPr lang="en-US" altLang="en-US" sz="2200" kern="0" dirty="0" smtClean="0">
+                <a:latin typeface="Open Sans" charset="0"/>
+                <a:ea typeface="Open Sans" charset="0"/>
+                <a:cs typeface="Open Sans" charset="0"/>
+              </a:rPr>
+              <a:t>is there a link between them?</a:t>
             </a:r>
           </a:p>
           <a:p>
@@ -23343,8 +23364,8 @@
         </p:nvSpPr>
         <p:spPr bwMode="auto">
           <a:xfrm>
-            <a:off x="1219200" y="3962400"/>
-            <a:ext cx="1743075" cy="457200"/>
+            <a:off x="990600" y="3962400"/>
+            <a:ext cx="1912703" cy="461665"/>
           </a:xfrm>
           <a:prstGeom prst="rect">
             <a:avLst/>
@@ -23392,15 +23413,15 @@
           <a:lstStyle/>
           <a:p>
             <a:r>
-              <a:rPr lang="en-US" altLang="zh-CN" sz="2400">
+              <a:rPr lang="en-US" altLang="zh-CN" sz="2400" dirty="0" err="1" smtClean="0">
                 <a:solidFill>
                   <a:srgbClr val="FF3300"/>
                 </a:solidFill>
                 <a:ea typeface="宋体" charset="0"/>
               </a:rPr>
-              <a:t>FastAllDAP</a:t>
-            </a:r>
-            <a:endParaRPr lang="en-US" altLang="en-US" sz="2400">
+              <a:t>FastAllProxs</a:t>
+            </a:r>
+            <a:endParaRPr lang="en-US" altLang="en-US" sz="2400" dirty="0">
               <a:solidFill>
                 <a:srgbClr val="FF3300"/>
               </a:solidFill>
@@ -23975,7 +23996,7 @@
         <p:spPr bwMode="auto">
           <a:xfrm>
             <a:off x="1379537" y="4267200"/>
-            <a:ext cx="1979613" cy="457200"/>
+            <a:ext cx="1997663" cy="461665"/>
           </a:xfrm>
           <a:prstGeom prst="rect">
             <a:avLst/>
@@ -24023,15 +24044,15 @@
           <a:lstStyle/>
           <a:p>
             <a:r>
-              <a:rPr lang="en-US" altLang="zh-CN" sz="2400">
+              <a:rPr lang="en-US" altLang="zh-CN" sz="2400" dirty="0" err="1" smtClean="0">
                 <a:solidFill>
                   <a:srgbClr val="FF3300"/>
                 </a:solidFill>
                 <a:ea typeface="宋体" charset="0"/>
               </a:rPr>
-              <a:t>FastOneDAP</a:t>
-            </a:r>
-            <a:endParaRPr lang="en-US" altLang="en-US" sz="2400">
+              <a:t>FastOneProx</a:t>
+            </a:r>
+            <a:endParaRPr lang="en-US" altLang="en-US" sz="2400" dirty="0">
               <a:solidFill>
                 <a:srgbClr val="FF3300"/>
               </a:solidFill>
@@ -25955,7 +25976,23 @@
                 <a:ea typeface="Open Sans" panose="020B0606030504020204" pitchFamily="34" charset="0"/>
                 <a:cs typeface="Open Sans" panose="020B0606030504020204" pitchFamily="34" charset="0"/>
               </a:rPr>
-              <a:t>Consider a random walk w starting at </a:t>
+              <a:t>Consider a random walk </a:t>
+            </a:r>
+            <a:r>
+              <a:rPr lang="en-US" sz="2000" i="1" dirty="0" smtClean="0">
+                <a:latin typeface="Open Sans" panose="020B0606030504020204" pitchFamily="34" charset="0"/>
+                <a:ea typeface="Open Sans" panose="020B0606030504020204" pitchFamily="34" charset="0"/>
+                <a:cs typeface="Open Sans" panose="020B0606030504020204" pitchFamily="34" charset="0"/>
+              </a:rPr>
+              <a:t>w</a:t>
+            </a:r>
+            <a:r>
+              <a:rPr lang="en-US" sz="2000" dirty="0" smtClean="0">
+                <a:latin typeface="Open Sans" panose="020B0606030504020204" pitchFamily="34" charset="0"/>
+                <a:ea typeface="Open Sans" panose="020B0606030504020204" pitchFamily="34" charset="0"/>
+                <a:cs typeface="Open Sans" panose="020B0606030504020204" pitchFamily="34" charset="0"/>
+              </a:rPr>
+              <a:t> starting at </a:t>
             </a:r>
             <a:r>
               <a:rPr lang="en-US" sz="2000" i="1" dirty="0" err="1" smtClean="0">
@@ -25990,31 +26027,15 @@
                 <a:ea typeface="Open Sans" panose="020B0606030504020204" pitchFamily="34" charset="0"/>
                 <a:cs typeface="Open Sans" panose="020B0606030504020204" pitchFamily="34" charset="0"/>
               </a:rPr>
-              <a:t> = the first time w returns to </a:t>
-            </a:r>
-            <a:r>
-              <a:rPr lang="en-US" sz="1800" i="1" dirty="0" err="1" smtClean="0">
-                <a:latin typeface="Open Sans" panose="020B0606030504020204" pitchFamily="34" charset="0"/>
-                <a:ea typeface="Open Sans" panose="020B0606030504020204" pitchFamily="34" charset="0"/>
-                <a:cs typeface="Open Sans" panose="020B0606030504020204" pitchFamily="34" charset="0"/>
-              </a:rPr>
-              <a:t>i</a:t>
-            </a:r>
-            <a:endParaRPr lang="en-US" sz="1800" i="1" dirty="0" smtClean="0">
-              <a:latin typeface="Open Sans" panose="020B0606030504020204" pitchFamily="34" charset="0"/>
-              <a:ea typeface="Open Sans" panose="020B0606030504020204" pitchFamily="34" charset="0"/>
-              <a:cs typeface="Open Sans" panose="020B0606030504020204" pitchFamily="34" charset="0"/>
-            </a:endParaRPr>
-          </a:p>
-          <a:p>
-            <a:pPr lvl="2"/>
+              <a:t> = the first time </a:t>
+            </a:r>
             <a:r>
               <a:rPr lang="en-US" sz="1800" i="1" dirty="0" smtClean="0">
                 <a:latin typeface="Open Sans" panose="020B0606030504020204" pitchFamily="34" charset="0"/>
                 <a:ea typeface="Open Sans" panose="020B0606030504020204" pitchFamily="34" charset="0"/>
                 <a:cs typeface="Open Sans" panose="020B0606030504020204" pitchFamily="34" charset="0"/>
               </a:rPr>
-              <a:t>Y</a:t>
+              <a:t>w</a:t>
             </a:r>
             <a:r>
               <a:rPr lang="en-US" sz="1800" dirty="0" smtClean="0">
@@ -26022,15 +26043,7 @@
                 <a:ea typeface="Open Sans" panose="020B0606030504020204" pitchFamily="34" charset="0"/>
                 <a:cs typeface="Open Sans" panose="020B0606030504020204" pitchFamily="34" charset="0"/>
               </a:rPr>
-              <a:t> = the first time w returns to </a:t>
-            </a:r>
-            <a:r>
-              <a:rPr lang="en-US" sz="1800" dirty="0" err="1" smtClean="0">
-                <a:latin typeface="Open Sans" panose="020B0606030504020204" pitchFamily="34" charset="0"/>
-                <a:ea typeface="Open Sans" panose="020B0606030504020204" pitchFamily="34" charset="0"/>
-                <a:cs typeface="Open Sans" panose="020B0606030504020204" pitchFamily="34" charset="0"/>
-              </a:rPr>
-              <a:t>i</a:t>
+              <a:t> </a:t>
             </a:r>
             <a:r>
               <a:rPr lang="en-US" sz="1800" dirty="0" smtClean="0">
@@ -26038,7 +26051,90 @@
                 <a:ea typeface="Open Sans" panose="020B0606030504020204" pitchFamily="34" charset="0"/>
                 <a:cs typeface="Open Sans" panose="020B0606030504020204" pitchFamily="34" charset="0"/>
               </a:rPr>
-              <a:t> after visiting </a:t>
+              <a:t>returns </a:t>
+            </a:r>
+            <a:r>
+              <a:rPr lang="en-US" sz="1800" dirty="0" smtClean="0">
+                <a:latin typeface="Open Sans" panose="020B0606030504020204" pitchFamily="34" charset="0"/>
+                <a:ea typeface="Open Sans" panose="020B0606030504020204" pitchFamily="34" charset="0"/>
+                <a:cs typeface="Open Sans" panose="020B0606030504020204" pitchFamily="34" charset="0"/>
+              </a:rPr>
+              <a:t>to </a:t>
+            </a:r>
+            <a:r>
+              <a:rPr lang="en-US" sz="1800" i="1" dirty="0" smtClean="0">
+                <a:latin typeface="Open Sans" panose="020B0606030504020204" pitchFamily="34" charset="0"/>
+                <a:ea typeface="Open Sans" panose="020B0606030504020204" pitchFamily="34" charset="0"/>
+                <a:cs typeface="Open Sans" panose="020B0606030504020204" pitchFamily="34" charset="0"/>
+              </a:rPr>
+              <a:t>i</a:t>
+            </a:r>
+          </a:p>
+          <a:p>
+            <a:pPr lvl="2"/>
+            <a:r>
+              <a:rPr lang="en-US" sz="1800" i="1" dirty="0" smtClean="0">
+                <a:latin typeface="Open Sans" panose="020B0606030504020204" pitchFamily="34" charset="0"/>
+                <a:ea typeface="Open Sans" panose="020B0606030504020204" pitchFamily="34" charset="0"/>
+                <a:cs typeface="Open Sans" panose="020B0606030504020204" pitchFamily="34" charset="0"/>
+              </a:rPr>
+              <a:t>Y</a:t>
+            </a:r>
+            <a:r>
+              <a:rPr lang="en-US" sz="1800" dirty="0" smtClean="0">
+                <a:latin typeface="Open Sans" panose="020B0606030504020204" pitchFamily="34" charset="0"/>
+                <a:ea typeface="Open Sans" panose="020B0606030504020204" pitchFamily="34" charset="0"/>
+                <a:cs typeface="Open Sans" panose="020B0606030504020204" pitchFamily="34" charset="0"/>
+              </a:rPr>
+              <a:t> = the first time </a:t>
+            </a:r>
+            <a:r>
+              <a:rPr lang="en-US" sz="1800" i="1" dirty="0" smtClean="0">
+                <a:latin typeface="Open Sans" panose="020B0606030504020204" pitchFamily="34" charset="0"/>
+                <a:ea typeface="Open Sans" panose="020B0606030504020204" pitchFamily="34" charset="0"/>
+                <a:cs typeface="Open Sans" panose="020B0606030504020204" pitchFamily="34" charset="0"/>
+              </a:rPr>
+              <a:t>w</a:t>
+            </a:r>
+            <a:r>
+              <a:rPr lang="en-US" sz="1800" dirty="0" smtClean="0">
+                <a:latin typeface="Open Sans" panose="020B0606030504020204" pitchFamily="34" charset="0"/>
+                <a:ea typeface="Open Sans" panose="020B0606030504020204" pitchFamily="34" charset="0"/>
+                <a:cs typeface="Open Sans" panose="020B0606030504020204" pitchFamily="34" charset="0"/>
+              </a:rPr>
+              <a:t> returns to </a:t>
+            </a:r>
+            <a:r>
+              <a:rPr lang="en-US" sz="1800" i="1" dirty="0" smtClean="0">
+                <a:latin typeface="Open Sans" panose="020B0606030504020204" pitchFamily="34" charset="0"/>
+                <a:ea typeface="Open Sans" panose="020B0606030504020204" pitchFamily="34" charset="0"/>
+                <a:cs typeface="Open Sans" panose="020B0606030504020204" pitchFamily="34" charset="0"/>
+              </a:rPr>
+              <a:t>i</a:t>
+            </a:r>
+            <a:r>
+              <a:rPr lang="en-US" sz="1800" dirty="0" smtClean="0">
+                <a:latin typeface="Open Sans" panose="020B0606030504020204" pitchFamily="34" charset="0"/>
+                <a:ea typeface="Open Sans" panose="020B0606030504020204" pitchFamily="34" charset="0"/>
+                <a:cs typeface="Open Sans" panose="020B0606030504020204" pitchFamily="34" charset="0"/>
+              </a:rPr>
+              <a:t> </a:t>
+            </a:r>
+            <a:r>
+              <a:rPr lang="en-US" sz="1800" dirty="0" smtClean="0">
+                <a:latin typeface="Open Sans" panose="020B0606030504020204" pitchFamily="34" charset="0"/>
+                <a:ea typeface="Open Sans" panose="020B0606030504020204" pitchFamily="34" charset="0"/>
+                <a:cs typeface="Open Sans" panose="020B0606030504020204" pitchFamily="34" charset="0"/>
+              </a:rPr>
+              <a:t>after </a:t>
+            </a:r>
+            <a:r>
+              <a:rPr lang="en-US" sz="1800" dirty="0" smtClean="0">
+                <a:latin typeface="Open Sans" panose="020B0606030504020204" pitchFamily="34" charset="0"/>
+                <a:ea typeface="Open Sans" panose="020B0606030504020204" pitchFamily="34" charset="0"/>
+                <a:cs typeface="Open Sans" panose="020B0606030504020204" pitchFamily="34" charset="0"/>
+              </a:rPr>
+              <a:t>visiting </a:t>
             </a:r>
             <a:r>
               <a:rPr lang="en-US" sz="1800" i="1" dirty="0" smtClean="0">
@@ -26186,7 +26282,7 @@
       </p:pic>
       <p:pic>
         <p:nvPicPr>
-          <p:cNvPr id="10" name="Picture 9"/>
+          <p:cNvPr id="4" name="图片 3"/>
           <p:cNvPicPr>
             <a:picLocks noChangeAspect="1"/>
           </p:cNvPicPr>
@@ -26211,7 +26307,7 @@
         <p:spPr>
           <a:xfrm>
             <a:off x="3283076" y="4825019"/>
-            <a:ext cx="3041524" cy="280381"/>
+            <a:ext cx="3058286" cy="280381"/>
           </a:xfrm>
           <a:prstGeom prst="rect">
             <a:avLst/>
@@ -26653,7 +26749,7 @@
                                           </p:stCondLst>
                                         </p:cTn>
                                         <p:tgtEl>
-                                          <p:spTgt spid="10"/>
+                                          <p:spTgt spid="4"/>
                                         </p:tgtEl>
                                         <p:attrNameLst>
                                           <p:attrName>style.visibility</p:attrName>
@@ -36758,7 +36854,10 @@
           <a:noFill/>
           <a:ln w="76200" cmpd="sng">
             <a:solidFill>
-              <a:srgbClr val="33CCCC"/>
+              <a:schemeClr val="tx2">
+                <a:lumMod val="40000"/>
+                <a:lumOff val="60000"/>
+              </a:schemeClr>
             </a:solidFill>
             <a:round/>
             <a:headEnd/>
@@ -36813,39 +36912,25 @@
           <a:noFill/>
           <a:ln>
             <a:noFill/>
+            <a:headEnd/>
+            <a:tailEnd/>
           </a:ln>
-          <a:effectLst/>
-          <a:extLst>
-            <a:ext uri="{909E8E84-426E-40DD-AFC4-6F175D3DCCD1}">
-              <a14:hiddenFill xmlns:a14="http://schemas.microsoft.com/office/drawing/2010/main">
-                <a:solidFill>
-                  <a:schemeClr val="accent1"/>
-                </a:solidFill>
-              </a14:hiddenFill>
-            </a:ext>
-            <a:ext uri="{91240B29-F687-4F45-9708-019B960494DF}">
-              <a14:hiddenLine xmlns:a14="http://schemas.microsoft.com/office/drawing/2010/main" w="9525">
-                <a:solidFill>
-                  <a:schemeClr val="tx1"/>
-                </a:solidFill>
-                <a:miter lim="800000"/>
-                <a:headEnd/>
-                <a:tailEnd/>
-              </a14:hiddenLine>
-            </a:ext>
-            <a:ext uri="{AF507438-7753-43E0-B8FC-AC1667EBCBE1}">
-              <a14:hiddenEffects xmlns:a14="http://schemas.microsoft.com/office/drawing/2010/main">
-                <a:effectLst>
-                  <a:outerShdw blurRad="63500" dist="38099" dir="2700000" algn="ctr" rotWithShape="0">
-                    <a:schemeClr val="bg2">
-                      <a:alpha val="74998"/>
-                    </a:schemeClr>
-                  </a:outerShdw>
-                </a:effectLst>
-              </a14:hiddenEffects>
-            </a:ext>
-          </a:extLst>
+          <a:extLst/>
         </p:spPr>
+        <p:style>
+          <a:lnRef idx="2">
+            <a:schemeClr val="accent3"/>
+          </a:lnRef>
+          <a:fillRef idx="1">
+            <a:schemeClr val="lt1"/>
+          </a:fillRef>
+          <a:effectRef idx="0">
+            <a:schemeClr val="accent3"/>
+          </a:effectRef>
+          <a:fontRef idx="minor">
+            <a:schemeClr val="dk1"/>
+          </a:fontRef>
+        </p:style>
         <p:txBody>
           <a:bodyPr wrap="none">
             <a:spAutoFit/>
@@ -37964,10 +38049,10 @@
 <p:tagLst xmlns:a="http://schemas.openxmlformats.org/drawingml/2006/main" xmlns:r="http://schemas.openxmlformats.org/officeDocument/2006/relationships" xmlns:p="http://schemas.openxmlformats.org/presentationml/2006/main">
   <p:tag name="OUTPUTDPI" val="1200"/>
   <p:tag name="ORIGINALHEIGHT" val="137.9828"/>
-  <p:tag name="ORIGINALWIDTH" val="3037.12"/>
-  <p:tag name="LATEXADDIN" val="\documentclass{article}&#10;\usepackage{amsmath}&#10;\usepackage{amssymb}&#10;\pagestyle{empty}&#10;\begin{document}&#10;&#10;$v(k) \triangleq $ Pr[A random walk starting at $k$ visits $j$ before $i$]&#10;&#10;&#10;\end{document}"/>
+  <p:tag name="ORIGINALWIDTH" val="2189.726"/>
+  <p:tag name="LATEXADDIN" val="\documentclass{article}&#10;\usepackage{amsmath}&#10;\usepackage{amssymb}&#10;\pagestyle{empty}&#10;\begin{document}&#10;&#10;$v(k) \triangleq $ Pr[starting at $k$, visits $j$ before $i$]&#10;&#10;&#10;\end{document}"/>
   <p:tag name="IGUANATEXSIZE" val="20"/>
-  <p:tag name="IGUANATEXCURSOR" val="107"/>
+  <p:tag name="IGUANATEXCURSOR" val="125"/>
   <p:tag name="TRANSPARENCY" val="True"/>
   <p:tag name="FILENAME" val=""/>
   <p:tag name="LATEXENGINEID" val="0"/>
@@ -38475,10 +38560,10 @@
 <p:tagLst xmlns:a="http://schemas.openxmlformats.org/drawingml/2006/main" xmlns:r="http://schemas.openxmlformats.org/officeDocument/2006/relationships" xmlns:p="http://schemas.openxmlformats.org/presentationml/2006/main">
   <p:tag name="OUTPUTDPI" val="1200"/>
   <p:tag name="ORIGINALHEIGHT" val="137.9828"/>
-  <p:tag name="ORIGINALWIDTH" val="1496.813"/>
-  <p:tag name="LATEXADDIN" val="\documentclass{article}&#10;\usepackage{amsmath}&#10;\usepackage{amssymb}&#10;\pagestyle{empty}&#10;\begin{document}&#10;&#10;$\Pr\left[X = Y\right] = p \triangleq \mathrm{ep}(i\rightarrow j)$&#10;&#10;&#10;\end{document}"/>
+  <p:tag name="ORIGINALWIDTH" val="1505.062"/>
+  <p:tag name="LATEXADDIN" val="\documentclass{article}&#10;\usepackage{amsmath}&#10;\usepackage{amssymb}&#10;\pagestyle{empty}&#10;\begin{document}&#10;&#10;$p \triangleq \Pr\left[X = Y\right] = \mathrm{ep}(i\rightarrow j)$&#10;&#10;&#10;\end{document}"/>
   <p:tag name="IGUANATEXSIZE" val="20"/>
-  <p:tag name="IGUANATEXCURSOR" val="65"/>
+  <p:tag name="IGUANATEXCURSOR" val="116"/>
   <p:tag name="TRANSPARENCY" val="True"/>
   <p:tag name="FILENAME" val=""/>
   <p:tag name="LATEXENGINEID" val="0"/>

--- a/rw-pdf.pptx
+++ b/rw-pdf.pptx
@@ -7275,7 +7275,7 @@
           <a:graphicData uri="http://schemas.openxmlformats.org/presentationml/2006/ole">
             <mc:AlternateContent xmlns:mc="http://schemas.openxmlformats.org/markup-compatibility/2006">
               <mc:Choice xmlns:v="urn:schemas-microsoft-com:vml" Requires="v">
-                <p:oleObj spid="_x0000_s28870" name="Visio" r:id="rId6" imgW="5289194" imgH="2914802" progId="Visio.Drawing.11">
+                <p:oleObj spid="_x0000_s28872" name="Visio" r:id="rId6" imgW="5289194" imgH="2914802" progId="Visio.Drawing.11">
                   <p:embed/>
                 </p:oleObj>
               </mc:Choice>
@@ -7479,7 +7479,7 @@
           <a:graphicData uri="http://schemas.openxmlformats.org/presentationml/2006/ole">
             <mc:AlternateContent xmlns:mc="http://schemas.openxmlformats.org/markup-compatibility/2006">
               <mc:Choice xmlns:v="urn:schemas-microsoft-com:vml" Requires="v">
-                <p:oleObj spid="_x0000_s30418" name="Visio" r:id="rId9" imgW="5289194" imgH="1988515" progId="Visio.Drawing.11">
+                <p:oleObj spid="_x0000_s30426" name="Visio" r:id="rId9" imgW="5289194" imgH="1988515" progId="Visio.Drawing.11">
                   <p:embed/>
                 </p:oleObj>
               </mc:Choice>
@@ -7581,7 +7581,7 @@
           <a:graphicData uri="http://schemas.openxmlformats.org/presentationml/2006/ole">
             <mc:AlternateContent xmlns:mc="http://schemas.openxmlformats.org/markup-compatibility/2006">
               <mc:Choice xmlns:v="urn:schemas-microsoft-com:vml" Requires="v">
-                <p:oleObj spid="_x0000_s30419" name="Visio" r:id="rId11" imgW="5289194" imgH="2888590" progId="Visio.Drawing.11">
+                <p:oleObj spid="_x0000_s30427" name="Visio" r:id="rId11" imgW="5289194" imgH="2888590" progId="Visio.Drawing.11">
                   <p:embed/>
                 </p:oleObj>
               </mc:Choice>
@@ -7682,7 +7682,7 @@
           <a:graphicData uri="http://schemas.openxmlformats.org/presentationml/2006/ole">
             <mc:AlternateContent xmlns:mc="http://schemas.openxmlformats.org/markup-compatibility/2006">
               <mc:Choice xmlns:v="urn:schemas-microsoft-com:vml" Requires="v">
-                <p:oleObj spid="_x0000_s30420" name="Visio" r:id="rId13" imgW="5186172" imgH="754685" progId="Visio.Drawing.11">
+                <p:oleObj spid="_x0000_s30428" name="Visio" r:id="rId13" imgW="5186172" imgH="754685" progId="Visio.Drawing.11">
                   <p:embed/>
                 </p:oleObj>
               </mc:Choice>
@@ -7783,7 +7783,7 @@
           <a:graphicData uri="http://schemas.openxmlformats.org/presentationml/2006/ole">
             <mc:AlternateContent xmlns:mc="http://schemas.openxmlformats.org/markup-compatibility/2006">
               <mc:Choice xmlns:v="urn:schemas-microsoft-com:vml" Requires="v">
-                <p:oleObj spid="_x0000_s30421" name="Visio" r:id="rId15" imgW="5186172" imgH="1870558" progId="Visio.Drawing.11">
+                <p:oleObj spid="_x0000_s30429" name="Visio" r:id="rId15" imgW="5186172" imgH="1870558" progId="Visio.Drawing.11">
                   <p:embed/>
                 </p:oleObj>
               </mc:Choice>
@@ -8785,7 +8785,7 @@
           <a:graphicData uri="http://schemas.openxmlformats.org/presentationml/2006/ole">
             <mc:AlternateContent xmlns:mc="http://schemas.openxmlformats.org/markup-compatibility/2006">
               <mc:Choice xmlns:v="urn:schemas-microsoft-com:vml" Requires="v">
-                <p:oleObj spid="_x0000_s30964" name="Visio" r:id="rId7" imgW="5038954" imgH="751637" progId="Visio.Drawing.11">
+                <p:oleObj spid="_x0000_s30968" name="Visio" r:id="rId7" imgW="5038954" imgH="751637" progId="Visio.Drawing.11">
                   <p:embed/>
                 </p:oleObj>
               </mc:Choice>
@@ -8940,7 +8940,7 @@
           <a:graphicData uri="http://schemas.openxmlformats.org/presentationml/2006/ole">
             <mc:AlternateContent xmlns:mc="http://schemas.openxmlformats.org/markup-compatibility/2006">
               <mc:Choice xmlns:v="urn:schemas-microsoft-com:vml" Requires="v">
-                <p:oleObj spid="_x0000_s30965" name="Visio" r:id="rId9" imgW="5038954" imgH="1130503" progId="Visio.Drawing.11">
+                <p:oleObj spid="_x0000_s30969" name="Visio" r:id="rId9" imgW="5038954" imgH="1130503" progId="Visio.Drawing.11">
                   <p:embed/>
                 </p:oleObj>
               </mc:Choice>
@@ -24296,7 +24296,7 @@
 </file>
 
 <file path=ppt/slides/slide23.xml><?xml version="1.0" encoding="utf-8"?>
-<p:sld xmlns:a="http://schemas.openxmlformats.org/drawingml/2006/main" xmlns:r="http://schemas.openxmlformats.org/officeDocument/2006/relationships" xmlns:p="http://schemas.openxmlformats.org/presentationml/2006/main">
+<p:sld xmlns:a="http://schemas.openxmlformats.org/drawingml/2006/main" xmlns:r="http://schemas.openxmlformats.org/officeDocument/2006/relationships" xmlns:p="http://schemas.openxmlformats.org/presentationml/2006/main" show="0">
   <p:cSld>
     <p:spTree>
       <p:nvGrpSpPr>
@@ -25475,7 +25475,7 @@
 </file>
 
 <file path=ppt/slides/slide24.xml><?xml version="1.0" encoding="utf-8"?>
-<p:sld xmlns:a="http://schemas.openxmlformats.org/drawingml/2006/main" xmlns:r="http://schemas.openxmlformats.org/officeDocument/2006/relationships" xmlns:p="http://schemas.openxmlformats.org/presentationml/2006/main">
+<p:sld xmlns:a="http://schemas.openxmlformats.org/drawingml/2006/main" xmlns:r="http://schemas.openxmlformats.org/officeDocument/2006/relationships" xmlns:p="http://schemas.openxmlformats.org/presentationml/2006/main" show="0">
   <p:cSld>
     <p:spTree>
       <p:nvGrpSpPr>
@@ -29093,7 +29093,7 @@
         </p:nvSpPr>
         <p:spPr bwMode="auto">
           <a:xfrm>
-            <a:off x="4049713" y="3152775"/>
+            <a:off x="5389563" y="3290887"/>
             <a:ext cx="2306637" cy="366713"/>
           </a:xfrm>
           <a:prstGeom prst="rect">
@@ -29145,7 +29145,7 @@
               </a:spcBef>
             </a:pPr>
             <a:r>
-              <a:rPr lang="en-US" altLang="en-US">
+              <a:rPr lang="en-US" altLang="en-US" dirty="0">
                 <a:latin typeface="Open Sans" panose="020B0606030504020204" pitchFamily="34" charset="0"/>
                 <a:ea typeface="Open Sans" panose="020B0606030504020204" pitchFamily="34" charset="0"/>
                 <a:cs typeface="Open Sans" panose="020B0606030504020204" pitchFamily="34" charset="0"/>
@@ -30207,7 +30207,7 @@
 </file>
 
 <file path=ppt/slides/slide5.xml><?xml version="1.0" encoding="utf-8"?>
-<p:sld xmlns:a="http://schemas.openxmlformats.org/drawingml/2006/main" xmlns:r="http://schemas.openxmlformats.org/officeDocument/2006/relationships" xmlns:p="http://schemas.openxmlformats.org/presentationml/2006/main">
+<p:sld xmlns:a="http://schemas.openxmlformats.org/drawingml/2006/main" xmlns:r="http://schemas.openxmlformats.org/officeDocument/2006/relationships" xmlns:p="http://schemas.openxmlformats.org/presentationml/2006/main" show="0">
   <p:cSld>
     <p:spTree>
       <p:nvGrpSpPr>
